--- a/Topic 5/Лек 5 Инв портфель в Excel.pptx
+++ b/Topic 5/Лек 5 Инв портфель в Excel.pptx
@@ -10732,7 +10732,7 @@
         </p:nvSpPr>
         <p:spPr>
           <a:xfrm>
-            <a:off x="139355" y="2117540"/>
+            <a:off x="183743" y="1979057"/>
             <a:ext cx="8785225" cy="1330750"/>
           </a:xfrm>
           <a:solidFill>
@@ -10840,7 +10840,7 @@
         <p:spPr bwMode="auto">
           <a:xfrm>
             <a:off x="171040" y="4708313"/>
-            <a:ext cx="8785225" cy="1017844"/>
+            <a:ext cx="8785225" cy="833178"/>
           </a:xfrm>
           <a:prstGeom prst="rect">
             <a:avLst/>
@@ -11205,7 +11205,7 @@
               </a:spcAft>
             </a:pPr>
             <a:r>
-              <a:rPr kumimoji="0" lang="ru-RU" sz="2000" b="1" i="0" u="none" strike="noStrike" kern="1200" cap="none" spc="0" normalizeH="0" baseline="0" noProof="0" dirty="0">
+              <a:rPr kumimoji="0" lang="ru-RU" sz="1600" b="1" i="0" u="none" strike="noStrike" kern="1200" cap="none" spc="0" normalizeH="0" baseline="0" noProof="0" dirty="0">
                 <a:ln>
                   <a:noFill/>
                 </a:ln>
@@ -11228,7 +11228,7 @@
               <a:t>Преподаватель</a:t>
             </a:r>
             <a:r>
-              <a:rPr kumimoji="0" lang="en-GB" sz="2000" b="1" i="0" u="none" strike="noStrike" kern="1200" cap="none" spc="0" normalizeH="0" baseline="0" noProof="0" dirty="0">
+              <a:rPr kumimoji="0" lang="en-GB" sz="1600" b="1" i="0" u="none" strike="noStrike" kern="1200" cap="none" spc="0" normalizeH="0" baseline="0" noProof="0" dirty="0">
                 <a:ln>
                   <a:noFill/>
                 </a:ln>
@@ -11258,7 +11258,7 @@
               </a:spcAft>
             </a:pPr>
             <a:r>
-              <a:rPr kumimoji="0" lang="ru-RU" sz="2000" b="1" i="0" u="none" strike="noStrike" kern="1200" cap="none" spc="0" normalizeH="0" baseline="0" noProof="0" dirty="0">
+              <a:rPr kumimoji="0" lang="ru-RU" sz="1600" b="1" i="0" u="none" strike="noStrike" kern="1200" cap="none" spc="0" normalizeH="0" baseline="0" noProof="0" dirty="0">
                 <a:ln>
                   <a:noFill/>
                 </a:ln>
@@ -11281,7 +11281,7 @@
               <a:t>доцент </a:t>
             </a:r>
             <a:r>
-              <a:rPr lang="ru-RU" sz="2000" b="1" dirty="0">
+              <a:rPr lang="ru-RU" sz="1600" b="1" dirty="0">
                 <a:solidFill>
                   <a:schemeClr val="accent1">
                     <a:lumMod val="50000"/>
@@ -11296,7 +11296,7 @@
               <a:t>Департамента анализа данных</a:t>
             </a:r>
             <a:r>
-              <a:rPr lang="en-US" sz="2000" b="1" dirty="0">
+              <a:rPr lang="en-US" sz="1600" b="1" dirty="0">
                 <a:solidFill>
                   <a:schemeClr val="accent1">
                     <a:lumMod val="50000"/>
@@ -11311,7 +11311,7 @@
               <a:t> </a:t>
             </a:r>
             <a:r>
-              <a:rPr lang="ru-RU" sz="2000" b="1" dirty="0">
+              <a:rPr lang="ru-RU" sz="1600" b="1" dirty="0">
                 <a:solidFill>
                   <a:schemeClr val="accent1">
                     <a:lumMod val="50000"/>
@@ -11323,10 +11323,29 @@
                   </a:outerShdw>
                 </a:effectLst>
               </a:rPr>
-              <a:t>и машинного обучения </a:t>
-            </a:r>
-            <a:r>
-              <a:rPr kumimoji="0" lang="ru-RU" sz="2000" b="1" i="0" u="none" strike="noStrike" kern="1200" cap="none" spc="0" normalizeH="0" baseline="0" noProof="0" dirty="0">
+              <a:t>и машинного обучения</a:t>
+            </a:r>
+            <a:endParaRPr lang="en-US" sz="1600" b="1" dirty="0">
+              <a:solidFill>
+                <a:schemeClr val="accent1">
+                  <a:lumMod val="50000"/>
+                </a:schemeClr>
+              </a:solidFill>
+              <a:effectLst>
+                <a:outerShdw blurRad="38100" dist="38100" dir="2700000" algn="tl">
+                  <a:srgbClr val="C0C0C0"/>
+                </a:outerShdw>
+              </a:effectLst>
+            </a:endParaRPr>
+          </a:p>
+          <a:p>
+            <a:pPr algn="ctr">
+              <a:spcAft>
+                <a:spcPts val="0"/>
+              </a:spcAft>
+            </a:pPr>
+            <a:r>
+              <a:rPr kumimoji="0" lang="ru-RU" sz="1600" b="1" i="0" u="none" strike="noStrike" kern="1200" cap="none" spc="0" normalizeH="0" baseline="0" noProof="0" dirty="0">
                 <a:ln>
                   <a:noFill/>
                 </a:ln>
@@ -11349,7 +11368,7 @@
               <a:t>СМИРНОВ</a:t>
             </a:r>
             <a:r>
-              <a:rPr kumimoji="0" lang="en-GB" sz="2000" b="1" i="0" u="none" strike="noStrike" kern="1200" cap="none" spc="0" normalizeH="0" baseline="0" noProof="0" dirty="0">
+              <a:rPr kumimoji="0" lang="en-GB" sz="1600" b="1" i="0" u="none" strike="noStrike" kern="1200" cap="none" spc="0" normalizeH="0" baseline="0" noProof="0" dirty="0">
                 <a:ln>
                   <a:noFill/>
                 </a:ln>
@@ -11372,7 +11391,7 @@
               <a:t> </a:t>
             </a:r>
             <a:r>
-              <a:rPr lang="ru-RU" sz="2000" b="1" dirty="0">
+              <a:rPr lang="ru-RU" sz="1600" b="1" dirty="0">
                 <a:solidFill>
                   <a:schemeClr val="accent1">
                     <a:lumMod val="50000"/>
@@ -11387,7 +11406,7 @@
               <a:t>Михаил</a:t>
             </a:r>
             <a:r>
-              <a:rPr kumimoji="0" lang="en-GB" sz="2000" b="1" i="0" u="none" strike="noStrike" kern="1200" cap="none" spc="0" normalizeH="0" baseline="0" noProof="0" dirty="0">
+              <a:rPr kumimoji="0" lang="en-GB" sz="1600" b="1" i="0" u="none" strike="noStrike" kern="1200" cap="none" spc="0" normalizeH="0" baseline="0" noProof="0" dirty="0">
                 <a:ln>
                   <a:noFill/>
                 </a:ln>
@@ -11410,7 +11429,7 @@
               <a:t> </a:t>
             </a:r>
             <a:r>
-              <a:rPr kumimoji="0" lang="ru-RU" sz="2000" b="1" i="0" u="none" strike="noStrike" kern="1200" cap="none" spc="0" normalizeH="0" baseline="0" noProof="0" dirty="0">
+              <a:rPr kumimoji="0" lang="ru-RU" sz="1600" b="1" i="0" u="none" strike="noStrike" kern="1200" cap="none" spc="0" normalizeH="0" baseline="0" noProof="0" dirty="0">
                 <a:ln>
                   <a:noFill/>
                 </a:ln>
@@ -11432,7 +11451,7 @@
               </a:rPr>
               <a:t>Викторович</a:t>
             </a:r>
-            <a:endParaRPr kumimoji="0" lang="en-GB" sz="2000" b="1" i="0" u="none" strike="noStrike" kern="1200" cap="none" spc="0" normalizeH="0" baseline="0" noProof="0" dirty="0">
+            <a:endParaRPr kumimoji="0" lang="en-GB" sz="1600" b="1" i="0" u="none" strike="noStrike" kern="1200" cap="none" spc="0" normalizeH="0" baseline="0" noProof="0" dirty="0">
               <a:ln>
                 <a:noFill/>
               </a:ln>
@@ -11520,7 +11539,39 @@
                 <a:ea typeface="Arial Unicode MS" pitchFamily="34" charset="-128"/>
                 <a:cs typeface="Arial Unicode MS" pitchFamily="34" charset="-128"/>
               </a:rPr>
-              <a:t>Москва 202</a:t>
+              <a:t>Москва</a:t>
+            </a:r>
+            <a:r>
+              <a:rPr lang="en-US" b="1" dirty="0">
+                <a:solidFill>
+                  <a:schemeClr val="accent1">
+                    <a:lumMod val="50000"/>
+                  </a:schemeClr>
+                </a:solidFill>
+                <a:latin typeface="Arial" charset="0"/>
+                <a:ea typeface="Arial Unicode MS" pitchFamily="34" charset="-128"/>
+                <a:cs typeface="Arial Unicode MS" pitchFamily="34" charset="-128"/>
+              </a:rPr>
+              <a:t> – </a:t>
+            </a:r>
+            <a:r>
+              <a:rPr kumimoji="0" lang="ru-RU" sz="1800" b="1" i="0" u="none" strike="noStrike" kern="1200" cap="none" spc="0" normalizeH="0" baseline="0" noProof="0" dirty="0">
+                <a:ln>
+                  <a:noFill/>
+                </a:ln>
+                <a:solidFill>
+                  <a:schemeClr val="accent1">
+                    <a:lumMod val="50000"/>
+                  </a:schemeClr>
+                </a:solidFill>
+                <a:effectLst/>
+                <a:uLnTx/>
+                <a:uFillTx/>
+                <a:latin typeface="Arial" charset="0"/>
+                <a:ea typeface="Arial Unicode MS" pitchFamily="34" charset="-128"/>
+                <a:cs typeface="Arial Unicode MS" pitchFamily="34" charset="-128"/>
+              </a:rPr>
+              <a:t>202</a:t>
             </a:r>
             <a:r>
               <a:rPr kumimoji="0" lang="en-US" sz="1800" b="1" i="0" u="none" strike="noStrike" kern="1200" cap="none" spc="0" normalizeH="0" baseline="0" noProof="0" dirty="0">
@@ -11590,6 +11641,414 @@
           </a:prstGeom>
         </p:spPr>
       </p:pic>
+      <p:sp>
+        <p:nvSpPr>
+          <p:cNvPr id="4" name="TextBox 3">
+            <a:extLst>
+              <a:ext uri="{FF2B5EF4-FFF2-40B4-BE49-F238E27FC236}">
+                <a16:creationId xmlns:a16="http://schemas.microsoft.com/office/drawing/2014/main" id="{F97D4AFC-5408-476D-B1E1-3F6F8BD1BE57}"/>
+              </a:ext>
+            </a:extLst>
+          </p:cNvPr>
+          <p:cNvSpPr txBox="1"/>
+          <p:nvPr/>
+        </p:nvSpPr>
+        <p:spPr>
+          <a:xfrm>
+            <a:off x="878214" y="3803133"/>
+            <a:ext cx="7344816" cy="371513"/>
+          </a:xfrm>
+          <a:prstGeom prst="rect">
+            <a:avLst/>
+          </a:prstGeom>
+          <a:noFill/>
+          <a:ln>
+            <a:noFill/>
+          </a:ln>
+          <a:effectLst/>
+        </p:spPr>
+        <p:txBody>
+          <a:bodyPr wrap="square" lIns="90000" tIns="46800" rIns="90000" bIns="46800">
+            <a:spAutoFit/>
+          </a:bodyPr>
+          <a:lstStyle>
+            <a:defPPr>
+              <a:defRPr lang="ru-RU"/>
+            </a:defPPr>
+            <a:lvl1pPr algn="ctr">
+              <a:spcAft>
+                <a:spcPts val="0"/>
+              </a:spcAft>
+              <a:tabLst>
+                <a:tab pos="0" algn="l"/>
+                <a:tab pos="447675" algn="l"/>
+                <a:tab pos="896938" algn="l"/>
+                <a:tab pos="1346200" algn="l"/>
+                <a:tab pos="1795463" algn="l"/>
+                <a:tab pos="2244725" algn="l"/>
+                <a:tab pos="2693988" algn="l"/>
+                <a:tab pos="3143250" algn="l"/>
+                <a:tab pos="3592513" algn="l"/>
+                <a:tab pos="4041775" algn="l"/>
+                <a:tab pos="4491038" algn="l"/>
+                <a:tab pos="4940300" algn="l"/>
+                <a:tab pos="5389563" algn="l"/>
+                <a:tab pos="5838825" algn="l"/>
+                <a:tab pos="6288088" algn="l"/>
+                <a:tab pos="6737350" algn="l"/>
+                <a:tab pos="7186613" algn="l"/>
+                <a:tab pos="7635875" algn="l"/>
+                <a:tab pos="8085138" algn="l"/>
+                <a:tab pos="8534400" algn="l"/>
+                <a:tab pos="8983663" algn="l"/>
+              </a:tabLst>
+              <a:defRPr kumimoji="0" sz="1600" b="1" i="0" u="none" strike="noStrike" cap="none" spc="0" normalizeH="0" baseline="0">
+                <a:ln>
+                  <a:noFill/>
+                </a:ln>
+                <a:solidFill>
+                  <a:schemeClr val="accent1">
+                    <a:lumMod val="50000"/>
+                  </a:schemeClr>
+                </a:solidFill>
+                <a:effectLst>
+                  <a:outerShdw blurRad="38100" dist="38100" dir="2700000" algn="tl">
+                    <a:srgbClr val="C0C0C0"/>
+                  </a:outerShdw>
+                </a:effectLst>
+                <a:uLnTx/>
+                <a:uFillTx/>
+                <a:latin typeface="Arial" charset="0"/>
+                <a:ea typeface="Arial Unicode MS" pitchFamily="34" charset="-128"/>
+                <a:cs typeface="Arial Unicode MS" pitchFamily="34" charset="-128"/>
+              </a:defRPr>
+            </a:lvl1pPr>
+            <a:lvl2pPr>
+              <a:tabLst>
+                <a:tab pos="0" algn="l"/>
+                <a:tab pos="447675" algn="l"/>
+                <a:tab pos="896938" algn="l"/>
+                <a:tab pos="1346200" algn="l"/>
+                <a:tab pos="1795463" algn="l"/>
+                <a:tab pos="2244725" algn="l"/>
+                <a:tab pos="2693988" algn="l"/>
+                <a:tab pos="3143250" algn="l"/>
+                <a:tab pos="3592513" algn="l"/>
+                <a:tab pos="4041775" algn="l"/>
+                <a:tab pos="4491038" algn="l"/>
+                <a:tab pos="4940300" algn="l"/>
+                <a:tab pos="5389563" algn="l"/>
+                <a:tab pos="5838825" algn="l"/>
+                <a:tab pos="6288088" algn="l"/>
+                <a:tab pos="6737350" algn="l"/>
+                <a:tab pos="7186613" algn="l"/>
+                <a:tab pos="7635875" algn="l"/>
+                <a:tab pos="8085138" algn="l"/>
+                <a:tab pos="8534400" algn="l"/>
+                <a:tab pos="8983663" algn="l"/>
+              </a:tabLst>
+              <a:defRPr>
+                <a:solidFill>
+                  <a:srgbClr val="000000"/>
+                </a:solidFill>
+                <a:latin typeface="Arial" charset="0"/>
+                <a:ea typeface="Arial Unicode MS" pitchFamily="34" charset="-128"/>
+                <a:cs typeface="Arial Unicode MS" pitchFamily="34" charset="-128"/>
+              </a:defRPr>
+            </a:lvl2pPr>
+            <a:lvl3pPr>
+              <a:tabLst>
+                <a:tab pos="0" algn="l"/>
+                <a:tab pos="447675" algn="l"/>
+                <a:tab pos="896938" algn="l"/>
+                <a:tab pos="1346200" algn="l"/>
+                <a:tab pos="1795463" algn="l"/>
+                <a:tab pos="2244725" algn="l"/>
+                <a:tab pos="2693988" algn="l"/>
+                <a:tab pos="3143250" algn="l"/>
+                <a:tab pos="3592513" algn="l"/>
+                <a:tab pos="4041775" algn="l"/>
+                <a:tab pos="4491038" algn="l"/>
+                <a:tab pos="4940300" algn="l"/>
+                <a:tab pos="5389563" algn="l"/>
+                <a:tab pos="5838825" algn="l"/>
+                <a:tab pos="6288088" algn="l"/>
+                <a:tab pos="6737350" algn="l"/>
+                <a:tab pos="7186613" algn="l"/>
+                <a:tab pos="7635875" algn="l"/>
+                <a:tab pos="8085138" algn="l"/>
+                <a:tab pos="8534400" algn="l"/>
+                <a:tab pos="8983663" algn="l"/>
+              </a:tabLst>
+              <a:defRPr>
+                <a:solidFill>
+                  <a:srgbClr val="000000"/>
+                </a:solidFill>
+                <a:latin typeface="Arial" charset="0"/>
+                <a:ea typeface="Arial Unicode MS" pitchFamily="34" charset="-128"/>
+                <a:cs typeface="Arial Unicode MS" pitchFamily="34" charset="-128"/>
+              </a:defRPr>
+            </a:lvl3pPr>
+            <a:lvl4pPr>
+              <a:tabLst>
+                <a:tab pos="0" algn="l"/>
+                <a:tab pos="447675" algn="l"/>
+                <a:tab pos="896938" algn="l"/>
+                <a:tab pos="1346200" algn="l"/>
+                <a:tab pos="1795463" algn="l"/>
+                <a:tab pos="2244725" algn="l"/>
+                <a:tab pos="2693988" algn="l"/>
+                <a:tab pos="3143250" algn="l"/>
+                <a:tab pos="3592513" algn="l"/>
+                <a:tab pos="4041775" algn="l"/>
+                <a:tab pos="4491038" algn="l"/>
+                <a:tab pos="4940300" algn="l"/>
+                <a:tab pos="5389563" algn="l"/>
+                <a:tab pos="5838825" algn="l"/>
+                <a:tab pos="6288088" algn="l"/>
+                <a:tab pos="6737350" algn="l"/>
+                <a:tab pos="7186613" algn="l"/>
+                <a:tab pos="7635875" algn="l"/>
+                <a:tab pos="8085138" algn="l"/>
+                <a:tab pos="8534400" algn="l"/>
+                <a:tab pos="8983663" algn="l"/>
+              </a:tabLst>
+              <a:defRPr>
+                <a:solidFill>
+                  <a:srgbClr val="000000"/>
+                </a:solidFill>
+                <a:latin typeface="Arial" charset="0"/>
+                <a:ea typeface="Arial Unicode MS" pitchFamily="34" charset="-128"/>
+                <a:cs typeface="Arial Unicode MS" pitchFamily="34" charset="-128"/>
+              </a:defRPr>
+            </a:lvl4pPr>
+            <a:lvl5pPr>
+              <a:tabLst>
+                <a:tab pos="0" algn="l"/>
+                <a:tab pos="447675" algn="l"/>
+                <a:tab pos="896938" algn="l"/>
+                <a:tab pos="1346200" algn="l"/>
+                <a:tab pos="1795463" algn="l"/>
+                <a:tab pos="2244725" algn="l"/>
+                <a:tab pos="2693988" algn="l"/>
+                <a:tab pos="3143250" algn="l"/>
+                <a:tab pos="3592513" algn="l"/>
+                <a:tab pos="4041775" algn="l"/>
+                <a:tab pos="4491038" algn="l"/>
+                <a:tab pos="4940300" algn="l"/>
+                <a:tab pos="5389563" algn="l"/>
+                <a:tab pos="5838825" algn="l"/>
+                <a:tab pos="6288088" algn="l"/>
+                <a:tab pos="6737350" algn="l"/>
+                <a:tab pos="7186613" algn="l"/>
+                <a:tab pos="7635875" algn="l"/>
+                <a:tab pos="8085138" algn="l"/>
+                <a:tab pos="8534400" algn="l"/>
+                <a:tab pos="8983663" algn="l"/>
+              </a:tabLst>
+              <a:defRPr>
+                <a:solidFill>
+                  <a:srgbClr val="000000"/>
+                </a:solidFill>
+                <a:latin typeface="Arial" charset="0"/>
+                <a:ea typeface="Arial Unicode MS" pitchFamily="34" charset="-128"/>
+                <a:cs typeface="Arial Unicode MS" pitchFamily="34" charset="-128"/>
+              </a:defRPr>
+            </a:lvl5pPr>
+            <a:lvl6pPr defTabSz="449263" fontAlgn="base">
+              <a:spcBef>
+                <a:spcPct val="0"/>
+              </a:spcBef>
+              <a:spcAft>
+                <a:spcPct val="0"/>
+              </a:spcAft>
+              <a:buClr>
+                <a:srgbClr val="000000"/>
+              </a:buClr>
+              <a:buSzPct val="100000"/>
+              <a:buFont typeface="Arial" charset="0"/>
+              <a:tabLst>
+                <a:tab pos="0" algn="l"/>
+                <a:tab pos="447675" algn="l"/>
+                <a:tab pos="896938" algn="l"/>
+                <a:tab pos="1346200" algn="l"/>
+                <a:tab pos="1795463" algn="l"/>
+                <a:tab pos="2244725" algn="l"/>
+                <a:tab pos="2693988" algn="l"/>
+                <a:tab pos="3143250" algn="l"/>
+                <a:tab pos="3592513" algn="l"/>
+                <a:tab pos="4041775" algn="l"/>
+                <a:tab pos="4491038" algn="l"/>
+                <a:tab pos="4940300" algn="l"/>
+                <a:tab pos="5389563" algn="l"/>
+                <a:tab pos="5838825" algn="l"/>
+                <a:tab pos="6288088" algn="l"/>
+                <a:tab pos="6737350" algn="l"/>
+                <a:tab pos="7186613" algn="l"/>
+                <a:tab pos="7635875" algn="l"/>
+                <a:tab pos="8085138" algn="l"/>
+                <a:tab pos="8534400" algn="l"/>
+                <a:tab pos="8983663" algn="l"/>
+              </a:tabLst>
+              <a:defRPr>
+                <a:solidFill>
+                  <a:srgbClr val="000000"/>
+                </a:solidFill>
+                <a:latin typeface="Arial" charset="0"/>
+                <a:ea typeface="Arial Unicode MS" pitchFamily="34" charset="-128"/>
+                <a:cs typeface="Arial Unicode MS" pitchFamily="34" charset="-128"/>
+              </a:defRPr>
+            </a:lvl6pPr>
+            <a:lvl7pPr defTabSz="449263" fontAlgn="base">
+              <a:spcBef>
+                <a:spcPct val="0"/>
+              </a:spcBef>
+              <a:spcAft>
+                <a:spcPct val="0"/>
+              </a:spcAft>
+              <a:buClr>
+                <a:srgbClr val="000000"/>
+              </a:buClr>
+              <a:buSzPct val="100000"/>
+              <a:buFont typeface="Arial" charset="0"/>
+              <a:tabLst>
+                <a:tab pos="0" algn="l"/>
+                <a:tab pos="447675" algn="l"/>
+                <a:tab pos="896938" algn="l"/>
+                <a:tab pos="1346200" algn="l"/>
+                <a:tab pos="1795463" algn="l"/>
+                <a:tab pos="2244725" algn="l"/>
+                <a:tab pos="2693988" algn="l"/>
+                <a:tab pos="3143250" algn="l"/>
+                <a:tab pos="3592513" algn="l"/>
+                <a:tab pos="4041775" algn="l"/>
+                <a:tab pos="4491038" algn="l"/>
+                <a:tab pos="4940300" algn="l"/>
+                <a:tab pos="5389563" algn="l"/>
+                <a:tab pos="5838825" algn="l"/>
+                <a:tab pos="6288088" algn="l"/>
+                <a:tab pos="6737350" algn="l"/>
+                <a:tab pos="7186613" algn="l"/>
+                <a:tab pos="7635875" algn="l"/>
+                <a:tab pos="8085138" algn="l"/>
+                <a:tab pos="8534400" algn="l"/>
+                <a:tab pos="8983663" algn="l"/>
+              </a:tabLst>
+              <a:defRPr>
+                <a:solidFill>
+                  <a:srgbClr val="000000"/>
+                </a:solidFill>
+                <a:latin typeface="Arial" charset="0"/>
+                <a:ea typeface="Arial Unicode MS" pitchFamily="34" charset="-128"/>
+                <a:cs typeface="Arial Unicode MS" pitchFamily="34" charset="-128"/>
+              </a:defRPr>
+            </a:lvl7pPr>
+            <a:lvl8pPr defTabSz="449263" fontAlgn="base">
+              <a:spcBef>
+                <a:spcPct val="0"/>
+              </a:spcBef>
+              <a:spcAft>
+                <a:spcPct val="0"/>
+              </a:spcAft>
+              <a:buClr>
+                <a:srgbClr val="000000"/>
+              </a:buClr>
+              <a:buSzPct val="100000"/>
+              <a:buFont typeface="Arial" charset="0"/>
+              <a:tabLst>
+                <a:tab pos="0" algn="l"/>
+                <a:tab pos="447675" algn="l"/>
+                <a:tab pos="896938" algn="l"/>
+                <a:tab pos="1346200" algn="l"/>
+                <a:tab pos="1795463" algn="l"/>
+                <a:tab pos="2244725" algn="l"/>
+                <a:tab pos="2693988" algn="l"/>
+                <a:tab pos="3143250" algn="l"/>
+                <a:tab pos="3592513" algn="l"/>
+                <a:tab pos="4041775" algn="l"/>
+                <a:tab pos="4491038" algn="l"/>
+                <a:tab pos="4940300" algn="l"/>
+                <a:tab pos="5389563" algn="l"/>
+                <a:tab pos="5838825" algn="l"/>
+                <a:tab pos="6288088" algn="l"/>
+                <a:tab pos="6737350" algn="l"/>
+                <a:tab pos="7186613" algn="l"/>
+                <a:tab pos="7635875" algn="l"/>
+                <a:tab pos="8085138" algn="l"/>
+                <a:tab pos="8534400" algn="l"/>
+                <a:tab pos="8983663" algn="l"/>
+              </a:tabLst>
+              <a:defRPr>
+                <a:solidFill>
+                  <a:srgbClr val="000000"/>
+                </a:solidFill>
+                <a:latin typeface="Arial" charset="0"/>
+                <a:ea typeface="Arial Unicode MS" pitchFamily="34" charset="-128"/>
+                <a:cs typeface="Arial Unicode MS" pitchFamily="34" charset="-128"/>
+              </a:defRPr>
+            </a:lvl8pPr>
+            <a:lvl9pPr defTabSz="449263" fontAlgn="base">
+              <a:spcBef>
+                <a:spcPct val="0"/>
+              </a:spcBef>
+              <a:spcAft>
+                <a:spcPct val="0"/>
+              </a:spcAft>
+              <a:buClr>
+                <a:srgbClr val="000000"/>
+              </a:buClr>
+              <a:buSzPct val="100000"/>
+              <a:buFont typeface="Arial" charset="0"/>
+              <a:tabLst>
+                <a:tab pos="0" algn="l"/>
+                <a:tab pos="447675" algn="l"/>
+                <a:tab pos="896938" algn="l"/>
+                <a:tab pos="1346200" algn="l"/>
+                <a:tab pos="1795463" algn="l"/>
+                <a:tab pos="2244725" algn="l"/>
+                <a:tab pos="2693988" algn="l"/>
+                <a:tab pos="3143250" algn="l"/>
+                <a:tab pos="3592513" algn="l"/>
+                <a:tab pos="4041775" algn="l"/>
+                <a:tab pos="4491038" algn="l"/>
+                <a:tab pos="4940300" algn="l"/>
+                <a:tab pos="5389563" algn="l"/>
+                <a:tab pos="5838825" algn="l"/>
+                <a:tab pos="6288088" algn="l"/>
+                <a:tab pos="6737350" algn="l"/>
+                <a:tab pos="7186613" algn="l"/>
+                <a:tab pos="7635875" algn="l"/>
+                <a:tab pos="8085138" algn="l"/>
+                <a:tab pos="8534400" algn="l"/>
+                <a:tab pos="8983663" algn="l"/>
+              </a:tabLst>
+              <a:defRPr>
+                <a:solidFill>
+                  <a:srgbClr val="000000"/>
+                </a:solidFill>
+                <a:latin typeface="Arial" charset="0"/>
+                <a:ea typeface="Arial Unicode MS" pitchFamily="34" charset="-128"/>
+                <a:cs typeface="Arial Unicode MS" pitchFamily="34" charset="-128"/>
+              </a:defRPr>
+            </a:lvl9pPr>
+          </a:lstStyle>
+          <a:p>
+            <a:r>
+              <a:rPr lang="ru-RU" sz="1800" dirty="0"/>
+              <a:t>Тема 5. Моделирование инвестиционного портфеля </a:t>
+            </a:r>
+            <a:r>
+              <a:rPr lang="ru-RU" sz="1800"/>
+              <a:t>в </a:t>
+            </a:r>
+            <a:r>
+              <a:rPr lang="en-US" sz="1800" dirty="0"/>
+              <a:t>Excel</a:t>
+            </a:r>
+            <a:endParaRPr lang="ru-RU" sz="1800" dirty="0"/>
+          </a:p>
+        </p:txBody>
+      </p:sp>
     </p:spTree>
   </p:cSld>
   <p:clrMapOvr>

--- a/Topic 5/Лек 5 Инв портфель в Excel.pptx
+++ b/Topic 5/Лек 5 Инв портфель в Excel.pptx
@@ -6,7 +6,7 @@
     <p:sldMasterId id="2147483662" r:id="rId2"/>
   </p:sldMasterIdLst>
   <p:notesMasterIdLst>
-    <p:notesMasterId r:id="rId29"/>
+    <p:notesMasterId r:id="rId30"/>
   </p:notesMasterIdLst>
   <p:sldIdLst>
     <p:sldId id="653" r:id="rId3"/>
@@ -30,11 +30,12 @@
     <p:sldId id="685" r:id="rId21"/>
     <p:sldId id="686" r:id="rId22"/>
     <p:sldId id="688" r:id="rId23"/>
-    <p:sldId id="687" r:id="rId24"/>
-    <p:sldId id="689" r:id="rId25"/>
-    <p:sldId id="690" r:id="rId26"/>
-    <p:sldId id="691" r:id="rId27"/>
-    <p:sldId id="669" r:id="rId28"/>
+    <p:sldId id="694" r:id="rId24"/>
+    <p:sldId id="687" r:id="rId25"/>
+    <p:sldId id="689" r:id="rId26"/>
+    <p:sldId id="690" r:id="rId27"/>
+    <p:sldId id="691" r:id="rId28"/>
+    <p:sldId id="669" r:id="rId29"/>
   </p:sldIdLst>
   <p:sldSz cx="9144000" cy="6858000" type="screen4x3"/>
   <p:notesSz cx="6858000" cy="9144000"/>
@@ -19718,10 +19719,10 @@
       </p:cxnSp>
       <p:sp>
         <p:nvSpPr>
-          <p:cNvPr id="22" name="TextBox 21">
+          <p:cNvPr id="10" name="TextBox 9">
             <a:extLst>
               <a:ext uri="{FF2B5EF4-FFF2-40B4-BE49-F238E27FC236}">
-                <a16:creationId xmlns:a16="http://schemas.microsoft.com/office/drawing/2014/main" id="{38F1F774-53A2-4C9A-8B11-097B509D9AFA}"/>
+                <a16:creationId xmlns:a16="http://schemas.microsoft.com/office/drawing/2014/main" id="{1956E715-0FA0-4A73-82A0-7630A52BF8C5}"/>
               </a:ext>
             </a:extLst>
           </p:cNvPr>
@@ -19730,8 +19731,8 @@
         </p:nvSpPr>
         <p:spPr>
           <a:xfrm>
-            <a:off x="395536" y="1916832"/>
-            <a:ext cx="8352928" cy="3216265"/>
+            <a:off x="395536" y="1116874"/>
+            <a:ext cx="8280920" cy="646331"/>
           </a:xfrm>
           <a:prstGeom prst="rect">
             <a:avLst/>
@@ -19744,114 +19745,2910 @@
           </a:bodyPr>
           <a:lstStyle/>
           <a:p>
-            <a:pPr indent="450215" algn="just">
-              <a:spcAft>
-                <a:spcPts val="600"/>
-              </a:spcAft>
-            </a:pPr>
-            <a:r>
-              <a:rPr lang="ru-RU" b="1" dirty="0">
-                <a:effectLst/>
-                <a:latin typeface="Calibri Light" panose="020F0302020204030204" pitchFamily="34" charset="0"/>
-                <a:ea typeface="Times New Roman" panose="02020603050405020304" pitchFamily="18" charset="0"/>
-                <a:cs typeface="Times New Roman" panose="02020603050405020304" pitchFamily="18" charset="0"/>
-              </a:rPr>
-              <a:t>Алгоритм построения портфеля Г. Марковица из двух активов в </a:t>
-            </a:r>
-            <a:r>
-              <a:rPr lang="ru-RU" b="1" dirty="0" err="1">
-                <a:effectLst/>
-                <a:latin typeface="Calibri Light" panose="020F0302020204030204" pitchFamily="34" charset="0"/>
-                <a:ea typeface="Times New Roman" panose="02020603050405020304" pitchFamily="18" charset="0"/>
-                <a:cs typeface="Times New Roman" panose="02020603050405020304" pitchFamily="18" charset="0"/>
-              </a:rPr>
-              <a:t>Excel</a:t>
-            </a:r>
-            <a:endParaRPr lang="ru-RU" b="1" dirty="0">
-              <a:effectLst/>
-              <a:latin typeface="Calibri Light" panose="020F0302020204030204" pitchFamily="34" charset="0"/>
-              <a:ea typeface="Times New Roman" panose="02020603050405020304" pitchFamily="18" charset="0"/>
-              <a:cs typeface="Times New Roman" panose="02020603050405020304" pitchFamily="18" charset="0"/>
-            </a:endParaRPr>
-          </a:p>
-          <a:p>
             <a:pPr indent="450215" algn="just"/>
             <a:r>
-              <a:rPr lang="ru-RU" dirty="0">
+              <a:rPr lang="ru-RU" sz="1800" dirty="0">
                 <a:effectLst/>
                 <a:latin typeface="Calibri Light" panose="020F0302020204030204" pitchFamily="34" charset="0"/>
                 <a:ea typeface="Calibri" panose="020F0502020204030204" pitchFamily="34" charset="0"/>
                 <a:cs typeface="Times New Roman" panose="02020603050405020304" pitchFamily="18" charset="0"/>
               </a:rPr>
-              <a:t>1. Выбирается произвольное число активов. Производится отбор активов по доходности. Активы с отрицательной доходностью исключаются.</a:t>
-            </a:r>
-          </a:p>
-          <a:p>
-            <a:pPr indent="450215" algn="just"/>
-            <a:r>
-              <a:rPr lang="ru-RU" dirty="0">
+              <a:t>Для упрощения расчетов риска портфеля можно использовать формулу в матричном виде</a:t>
+            </a:r>
+          </a:p>
+        </p:txBody>
+      </p:sp>
+      <p:sp>
+        <p:nvSpPr>
+          <p:cNvPr id="14" name="TextBox 13">
+            <a:extLst>
+              <a:ext uri="{FF2B5EF4-FFF2-40B4-BE49-F238E27FC236}">
+                <a16:creationId xmlns:a16="http://schemas.microsoft.com/office/drawing/2014/main" id="{BC8063B3-D37A-4ADE-9FDA-BA7F424AB34F}"/>
+              </a:ext>
+            </a:extLst>
+          </p:cNvPr>
+          <p:cNvSpPr txBox="1"/>
+          <p:nvPr/>
+        </p:nvSpPr>
+        <p:spPr>
+          <a:xfrm>
+            <a:off x="611560" y="1697105"/>
+            <a:ext cx="4572000" cy="369332"/>
+          </a:xfrm>
+          <a:prstGeom prst="rect">
+            <a:avLst/>
+          </a:prstGeom>
+          <a:noFill/>
+        </p:spPr>
+        <p:txBody>
+          <a:bodyPr wrap="square">
+            <a:spAutoFit/>
+          </a:bodyPr>
+          <a:lstStyle/>
+          <a:p>
+            <a:r>
+              <a:rPr lang="ru-RU" sz="1800" dirty="0">
                 <a:effectLst/>
                 <a:latin typeface="Calibri Light" panose="020F0302020204030204" pitchFamily="34" charset="0"/>
                 <a:ea typeface="Calibri" panose="020F0502020204030204" pitchFamily="34" charset="0"/>
                 <a:cs typeface="Times New Roman" panose="02020603050405020304" pitchFamily="18" charset="0"/>
               </a:rPr>
-              <a:t>2. Рассчитываются коэффициенты корреляции (нормированной ковариации) для всех возможных пар оставшихся активов.</a:t>
-            </a:r>
-          </a:p>
-          <a:p>
-            <a:pPr indent="450215" algn="just"/>
-            <a:r>
-              <a:rPr lang="ru-RU" dirty="0">
+              <a:t>Риск портфеля из двух активов</a:t>
+            </a:r>
+            <a:endParaRPr lang="ru-RU" dirty="0"/>
+          </a:p>
+        </p:txBody>
+      </p:sp>
+      <mc:AlternateContent xmlns:mc="http://schemas.openxmlformats.org/markup-compatibility/2006">
+        <mc:Choice xmlns:a14="http://schemas.microsoft.com/office/drawing/2010/main" Requires="a14">
+          <p:sp>
+            <p:nvSpPr>
+              <p:cNvPr id="20" name="TextBox 19">
+                <a:extLst>
+                  <a:ext uri="{FF2B5EF4-FFF2-40B4-BE49-F238E27FC236}">
+                    <a16:creationId xmlns:a16="http://schemas.microsoft.com/office/drawing/2014/main" id="{A9297D51-733C-41B6-BDF2-091427E278FA}"/>
+                  </a:ext>
+                </a:extLst>
+              </p:cNvPr>
+              <p:cNvSpPr txBox="1"/>
+              <p:nvPr/>
+            </p:nvSpPr>
+            <p:spPr>
+              <a:xfrm>
+                <a:off x="683568" y="5552495"/>
+                <a:ext cx="7992888" cy="668645"/>
+              </a:xfrm>
+              <a:prstGeom prst="rect">
+                <a:avLst/>
+              </a:prstGeom>
+              <a:noFill/>
+            </p:spPr>
+            <p:txBody>
+              <a:bodyPr wrap="square">
+                <a:spAutoFit/>
+              </a:bodyPr>
+              <a:lstStyle/>
+              <a:p>
+                <a:r>
+                  <a:rPr lang="ru-RU" sz="1800" dirty="0">
+                    <a:effectLst/>
+                    <a:latin typeface="Calibri Light" panose="020F0302020204030204" pitchFamily="34" charset="0"/>
+                    <a:ea typeface="Calibri" panose="020F0502020204030204" pitchFamily="34" charset="0"/>
+                    <a:cs typeface="Times New Roman" panose="02020603050405020304" pitchFamily="18" charset="0"/>
+                  </a:rPr>
+                  <a:t>где </a:t>
+                </a:r>
+                <a14:m>
+                  <m:oMath xmlns:m="http://schemas.openxmlformats.org/officeDocument/2006/math">
+                    <m:sSub>
+                      <m:sSubPr>
+                        <m:ctrlPr>
+                          <a:rPr lang="ru-RU" i="1">
+                            <a:effectLst/>
+                            <a:latin typeface="Cambria Math" panose="02040503050406030204" pitchFamily="18" charset="0"/>
+                          </a:rPr>
+                        </m:ctrlPr>
+                      </m:sSubPr>
+                      <m:e>
+                        <m:r>
+                          <a:rPr lang="en-US" sz="1800" i="1">
+                            <a:effectLst/>
+                            <a:latin typeface="Cambria Math" panose="02040503050406030204" pitchFamily="18" charset="0"/>
+                            <a:ea typeface="Calibri" panose="020F0502020204030204" pitchFamily="34" charset="0"/>
+                            <a:cs typeface="Times New Roman" panose="02020603050405020304" pitchFamily="18" charset="0"/>
+                          </a:rPr>
+                          <m:t>𝜎</m:t>
+                        </m:r>
+                      </m:e>
+                      <m:sub>
+                        <m:r>
+                          <a:rPr lang="ru-RU" sz="1800" i="1">
+                            <a:effectLst/>
+                            <a:latin typeface="Cambria Math" panose="02040503050406030204" pitchFamily="18" charset="0"/>
+                            <a:ea typeface="Calibri" panose="020F0502020204030204" pitchFamily="34" charset="0"/>
+                            <a:cs typeface="Times New Roman" panose="02020603050405020304" pitchFamily="18" charset="0"/>
+                          </a:rPr>
+                          <m:t>𝑖</m:t>
+                        </m:r>
+                      </m:sub>
+                    </m:sSub>
+                  </m:oMath>
+                </a14:m>
+                <a:r>
+                  <a:rPr lang="ru-RU" sz="1800" dirty="0">
+                    <a:effectLst/>
+                    <a:latin typeface="Calibri Light" panose="020F0302020204030204" pitchFamily="34" charset="0"/>
+                    <a:ea typeface="Times New Roman" panose="02020603050405020304" pitchFamily="18" charset="0"/>
+                    <a:cs typeface="Times New Roman" panose="02020603050405020304" pitchFamily="18" charset="0"/>
+                  </a:rPr>
+                  <a:t> – волатильность </a:t>
+                </a:r>
+                <a14:m>
+                  <m:oMath xmlns:m="http://schemas.openxmlformats.org/officeDocument/2006/math">
+                    <m:r>
+                      <a:rPr lang="ru-RU" sz="1800" i="1">
+                        <a:effectLst/>
+                        <a:latin typeface="Cambria Math" panose="02040503050406030204" pitchFamily="18" charset="0"/>
+                        <a:ea typeface="Times New Roman" panose="02020603050405020304" pitchFamily="18" charset="0"/>
+                        <a:cs typeface="Times New Roman" panose="02020603050405020304" pitchFamily="18" charset="0"/>
+                      </a:rPr>
+                      <m:t>𝑖</m:t>
+                    </m:r>
+                  </m:oMath>
+                </a14:m>
+                <a:r>
+                  <a:rPr lang="ru-RU" sz="1800" dirty="0">
+                    <a:effectLst/>
+                    <a:latin typeface="Calibri Light" panose="020F0302020204030204" pitchFamily="34" charset="0"/>
+                    <a:ea typeface="Times New Roman" panose="02020603050405020304" pitchFamily="18" charset="0"/>
+                    <a:cs typeface="Times New Roman" panose="02020603050405020304" pitchFamily="18" charset="0"/>
+                  </a:rPr>
+                  <a:t>-го актива</a:t>
+                </a:r>
+                <a:r>
+                  <a:rPr lang="ru-RU" sz="1800" dirty="0">
+                    <a:effectLst/>
+                    <a:latin typeface="Calibri Light" panose="020F0302020204030204" pitchFamily="34" charset="0"/>
+                    <a:ea typeface="Calibri" panose="020F0502020204030204" pitchFamily="34" charset="0"/>
+                    <a:cs typeface="Times New Roman" panose="02020603050405020304" pitchFamily="18" charset="0"/>
+                  </a:rPr>
+                  <a:t>; </a:t>
+                </a:r>
+                <a14:m>
+                  <m:oMath xmlns:m="http://schemas.openxmlformats.org/officeDocument/2006/math">
+                    <m:r>
+                      <a:rPr lang="ru-RU" sz="1800" i="1">
+                        <a:effectLst/>
+                        <a:latin typeface="Cambria Math" panose="02040503050406030204" pitchFamily="18" charset="0"/>
+                        <a:ea typeface="Calibri" panose="020F0502020204030204" pitchFamily="34" charset="0"/>
+                        <a:cs typeface="Times New Roman" panose="02020603050405020304" pitchFamily="18" charset="0"/>
+                      </a:rPr>
+                      <m:t>𝑐𝑜𝑟</m:t>
+                    </m:r>
+                    <m:r>
+                      <a:rPr lang="ru-RU" sz="1800" i="1">
+                        <a:effectLst/>
+                        <a:latin typeface="Cambria Math" panose="02040503050406030204" pitchFamily="18" charset="0"/>
+                        <a:ea typeface="Calibri" panose="020F0502020204030204" pitchFamily="34" charset="0"/>
+                        <a:cs typeface="Times New Roman" panose="02020603050405020304" pitchFamily="18" charset="0"/>
+                      </a:rPr>
+                      <m:t>(</m:t>
+                    </m:r>
+                    <m:sSub>
+                      <m:sSubPr>
+                        <m:ctrlPr>
+                          <a:rPr lang="ru-RU" i="1">
+                            <a:effectLst/>
+                            <a:latin typeface="Cambria Math" panose="02040503050406030204" pitchFamily="18" charset="0"/>
+                          </a:rPr>
+                        </m:ctrlPr>
+                      </m:sSubPr>
+                      <m:e>
+                        <m:r>
+                          <a:rPr lang="ru-RU" sz="1800" i="1">
+                            <a:effectLst/>
+                            <a:latin typeface="Cambria Math" panose="02040503050406030204" pitchFamily="18" charset="0"/>
+                            <a:ea typeface="Calibri" panose="020F0502020204030204" pitchFamily="34" charset="0"/>
+                            <a:cs typeface="Times New Roman" panose="02020603050405020304" pitchFamily="18" charset="0"/>
+                          </a:rPr>
+                          <m:t>𝑟</m:t>
+                        </m:r>
+                      </m:e>
+                      <m:sub>
+                        <m:r>
+                          <a:rPr lang="ru-RU" sz="1800" i="1">
+                            <a:effectLst/>
+                            <a:latin typeface="Cambria Math" panose="02040503050406030204" pitchFamily="18" charset="0"/>
+                            <a:ea typeface="Calibri" panose="020F0502020204030204" pitchFamily="34" charset="0"/>
+                            <a:cs typeface="Times New Roman" panose="02020603050405020304" pitchFamily="18" charset="0"/>
+                          </a:rPr>
+                          <m:t>𝑖</m:t>
+                        </m:r>
+                      </m:sub>
+                    </m:sSub>
+                    <m:r>
+                      <a:rPr lang="ru-RU" sz="1800" i="1">
+                        <a:effectLst/>
+                        <a:latin typeface="Cambria Math" panose="02040503050406030204" pitchFamily="18" charset="0"/>
+                        <a:ea typeface="Calibri" panose="020F0502020204030204" pitchFamily="34" charset="0"/>
+                        <a:cs typeface="Times New Roman" panose="02020603050405020304" pitchFamily="18" charset="0"/>
+                      </a:rPr>
+                      <m:t>,</m:t>
+                    </m:r>
+                    <m:sSub>
+                      <m:sSubPr>
+                        <m:ctrlPr>
+                          <a:rPr lang="ru-RU" i="1">
+                            <a:effectLst/>
+                            <a:latin typeface="Cambria Math" panose="02040503050406030204" pitchFamily="18" charset="0"/>
+                          </a:rPr>
+                        </m:ctrlPr>
+                      </m:sSubPr>
+                      <m:e>
+                        <m:r>
+                          <a:rPr lang="ru-RU" sz="1800" i="1">
+                            <a:effectLst/>
+                            <a:latin typeface="Cambria Math" panose="02040503050406030204" pitchFamily="18" charset="0"/>
+                            <a:ea typeface="Calibri" panose="020F0502020204030204" pitchFamily="34" charset="0"/>
+                            <a:cs typeface="Times New Roman" panose="02020603050405020304" pitchFamily="18" charset="0"/>
+                          </a:rPr>
+                          <m:t>𝑟</m:t>
+                        </m:r>
+                      </m:e>
+                      <m:sub>
+                        <m:r>
+                          <a:rPr lang="ru-RU" sz="1800" i="1">
+                            <a:effectLst/>
+                            <a:latin typeface="Cambria Math" panose="02040503050406030204" pitchFamily="18" charset="0"/>
+                            <a:ea typeface="Calibri" panose="020F0502020204030204" pitchFamily="34" charset="0"/>
+                            <a:cs typeface="Times New Roman" panose="02020603050405020304" pitchFamily="18" charset="0"/>
+                          </a:rPr>
+                          <m:t>𝑗</m:t>
+                        </m:r>
+                      </m:sub>
+                    </m:sSub>
+                    <m:r>
+                      <a:rPr lang="ru-RU" sz="1800" i="1">
+                        <a:effectLst/>
+                        <a:latin typeface="Cambria Math" panose="02040503050406030204" pitchFamily="18" charset="0"/>
+                        <a:ea typeface="Calibri" panose="020F0502020204030204" pitchFamily="34" charset="0"/>
+                        <a:cs typeface="Times New Roman" panose="02020603050405020304" pitchFamily="18" charset="0"/>
+                      </a:rPr>
+                      <m:t>)</m:t>
+                    </m:r>
+                  </m:oMath>
+                </a14:m>
+                <a:r>
+                  <a:rPr lang="ru-RU" sz="1800" dirty="0">
+                    <a:effectLst/>
+                    <a:latin typeface="Calibri Light" panose="020F0302020204030204" pitchFamily="34" charset="0"/>
+                    <a:ea typeface="Times New Roman" panose="02020603050405020304" pitchFamily="18" charset="0"/>
+                    <a:cs typeface="Times New Roman" panose="02020603050405020304" pitchFamily="18" charset="0"/>
+                  </a:rPr>
+                  <a:t> – </a:t>
+                </a:r>
+                <a:r>
+                  <a:rPr lang="ru-RU" sz="1800" dirty="0">
+                    <a:effectLst/>
+                    <a:latin typeface="Calibri Light" panose="020F0302020204030204" pitchFamily="34" charset="0"/>
+                    <a:ea typeface="Calibri" panose="020F0502020204030204" pitchFamily="34" charset="0"/>
+                    <a:cs typeface="Times New Roman" panose="02020603050405020304" pitchFamily="18" charset="0"/>
+                  </a:rPr>
+                  <a:t>коэффициент корреляции доходности активов портфеля</a:t>
+                </a:r>
+                <a:endParaRPr lang="ru-RU" dirty="0"/>
+              </a:p>
+            </p:txBody>
+          </p:sp>
+        </mc:Choice>
+        <mc:Fallback>
+          <p:sp>
+            <p:nvSpPr>
+              <p:cNvPr id="20" name="TextBox 19">
+                <a:extLst>
+                  <a:ext uri="{FF2B5EF4-FFF2-40B4-BE49-F238E27FC236}">
+                    <a16:creationId xmlns:a16="http://schemas.microsoft.com/office/drawing/2014/main" id="{A9297D51-733C-41B6-BDF2-091427E278FA}"/>
+                  </a:ext>
+                </a:extLst>
+              </p:cNvPr>
+              <p:cNvSpPr txBox="1">
+                <a:spLocks noRot="1" noChangeAspect="1" noMove="1" noResize="1" noEditPoints="1" noAdjustHandles="1" noChangeArrowheads="1" noChangeShapeType="1" noTextEdit="1"/>
+              </p:cNvSpPr>
+              <p:nvPr/>
+            </p:nvSpPr>
+            <p:spPr>
+              <a:xfrm>
+                <a:off x="683568" y="5552495"/>
+                <a:ext cx="7992888" cy="668645"/>
+              </a:xfrm>
+              <a:prstGeom prst="rect">
+                <a:avLst/>
+              </a:prstGeom>
+              <a:blipFill>
+                <a:blip r:embed="rId2"/>
+                <a:stretch>
+                  <a:fillRect l="-610" t="-4545" b="-13636"/>
+                </a:stretch>
+              </a:blipFill>
+            </p:spPr>
+            <p:txBody>
+              <a:bodyPr/>
+              <a:lstStyle/>
+              <a:p>
+                <a:r>
+                  <a:rPr lang="ru-RU">
+                    <a:noFill/>
+                  </a:rPr>
+                  <a:t> </a:t>
+                </a:r>
+              </a:p>
+            </p:txBody>
+          </p:sp>
+        </mc:Fallback>
+      </mc:AlternateContent>
+      <p:sp>
+        <p:nvSpPr>
+          <p:cNvPr id="15" name="TextBox 14">
+            <a:extLst>
+              <a:ext uri="{FF2B5EF4-FFF2-40B4-BE49-F238E27FC236}">
+                <a16:creationId xmlns:a16="http://schemas.microsoft.com/office/drawing/2014/main" id="{3088C99B-86D8-4964-A089-CB6EF8CE42FE}"/>
+              </a:ext>
+            </a:extLst>
+          </p:cNvPr>
+          <p:cNvSpPr txBox="1"/>
+          <p:nvPr/>
+        </p:nvSpPr>
+        <p:spPr>
+          <a:xfrm>
+            <a:off x="683568" y="3195680"/>
+            <a:ext cx="4572000" cy="369332"/>
+          </a:xfrm>
+          <a:prstGeom prst="rect">
+            <a:avLst/>
+          </a:prstGeom>
+          <a:noFill/>
+        </p:spPr>
+        <p:txBody>
+          <a:bodyPr wrap="square">
+            <a:spAutoFit/>
+          </a:bodyPr>
+          <a:lstStyle/>
+          <a:p>
+            <a:r>
+              <a:rPr lang="ru-RU" sz="1800" dirty="0">
                 <a:effectLst/>
                 <a:latin typeface="Calibri Light" panose="020F0302020204030204" pitchFamily="34" charset="0"/>
                 <a:ea typeface="Calibri" panose="020F0502020204030204" pitchFamily="34" charset="0"/>
                 <a:cs typeface="Times New Roman" panose="02020603050405020304" pitchFamily="18" charset="0"/>
               </a:rPr>
-              <a:t>3. Для формирования портфеля отбирается пара с наименьшим коэффициентом корреляции.</a:t>
-            </a:r>
-          </a:p>
-          <a:p>
-            <a:pPr indent="450215" algn="just"/>
-            <a:r>
-              <a:rPr lang="ru-RU" dirty="0">
-                <a:effectLst/>
-                <a:latin typeface="Calibri Light" panose="020F0302020204030204" pitchFamily="34" charset="0"/>
-                <a:ea typeface="Calibri" panose="020F0502020204030204" pitchFamily="34" charset="0"/>
-                <a:cs typeface="Times New Roman" panose="02020603050405020304" pitchFamily="18" charset="0"/>
-              </a:rPr>
-              <a:t>4. Вводятся формулы расчёта риска и доходности портфеля.</a:t>
-            </a:r>
-          </a:p>
-          <a:p>
-            <a:pPr indent="450215" algn="just"/>
-            <a:r>
-              <a:rPr lang="ru-RU" dirty="0">
-                <a:effectLst/>
-                <a:latin typeface="Calibri Light" panose="020F0302020204030204" pitchFamily="34" charset="0"/>
-                <a:ea typeface="Calibri" panose="020F0502020204030204" pitchFamily="34" charset="0"/>
-                <a:cs typeface="Times New Roman" panose="02020603050405020304" pitchFamily="18" charset="0"/>
-              </a:rPr>
-              <a:t>5. В решателе задач задаются ограничения: доходность портфеля - не менее заданной, риск - минимальный.</a:t>
-            </a:r>
-          </a:p>
-          <a:p>
-            <a:pPr indent="450215" algn="just"/>
-            <a:r>
-              <a:rPr lang="ru-RU" dirty="0">
-                <a:effectLst/>
-                <a:latin typeface="Calibri Light" panose="020F0302020204030204" pitchFamily="34" charset="0"/>
-                <a:ea typeface="Calibri" panose="020F0502020204030204" pitchFamily="34" charset="0"/>
-                <a:cs typeface="Times New Roman" panose="02020603050405020304" pitchFamily="18" charset="0"/>
-              </a:rPr>
-              <a:t>6. Выполняется поиск решения по минимизации риска портфеля.</a:t>
-            </a:r>
+              <a:t>Риск портфеля из трех активов</a:t>
+            </a:r>
+            <a:endParaRPr lang="ru-RU" dirty="0"/>
           </a:p>
         </p:txBody>
       </p:sp>
+      <mc:AlternateContent xmlns:mc="http://schemas.openxmlformats.org/markup-compatibility/2006">
+        <mc:Choice xmlns:a14="http://schemas.microsoft.com/office/drawing/2010/main" Requires="a14">
+          <p:sp>
+            <p:nvSpPr>
+              <p:cNvPr id="17" name="TextBox 2">
+                <a:extLst>
+                  <a:ext uri="{FF2B5EF4-FFF2-40B4-BE49-F238E27FC236}">
+                    <a16:creationId xmlns:a16="http://schemas.microsoft.com/office/drawing/2014/main" id="{34272175-D659-4992-A7BB-F32960BEDEF7}"/>
+                  </a:ext>
+                </a:extLst>
+              </p:cNvPr>
+              <p:cNvSpPr txBox="1"/>
+              <p:nvPr/>
+            </p:nvSpPr>
+            <p:spPr>
+              <a:xfrm>
+                <a:off x="2421731" y="2107432"/>
+                <a:ext cx="4300538" cy="928687"/>
+              </a:xfrm>
+              <a:prstGeom prst="rect">
+                <a:avLst/>
+              </a:prstGeom>
+              <a:solidFill>
+                <a:sysClr val="window" lastClr="FFFFFF"/>
+              </a:solidFill>
+              <a:ln>
+                <a:solidFill>
+                  <a:schemeClr val="accent4">
+                    <a:lumMod val="50000"/>
+                  </a:schemeClr>
+                </a:solidFill>
+              </a:ln>
+            </p:spPr>
+            <p:style>
+              <a:lnRef idx="0">
+                <a:scrgbClr r="0" g="0" b="0"/>
+              </a:lnRef>
+              <a:fillRef idx="0">
+                <a:scrgbClr r="0" g="0" b="0"/>
+              </a:fillRef>
+              <a:effectRef idx="0">
+                <a:scrgbClr r="0" g="0" b="0"/>
+              </a:effectRef>
+              <a:fontRef idx="minor">
+                <a:schemeClr val="tx1"/>
+              </a:fontRef>
+            </p:style>
+            <p:txBody>
+              <a:bodyPr wrap="none" lIns="0" tIns="0" rIns="0" bIns="0" rtlCol="0" anchor="ctr">
+                <a:noAutofit/>
+              </a:bodyPr>
+              <a:lstStyle>
+                <a:lvl1pPr marL="0" indent="0">
+                  <a:defRPr sz="1100">
+                    <a:solidFill>
+                      <a:schemeClr val="tx1"/>
+                    </a:solidFill>
+                    <a:latin typeface="+mn-lt"/>
+                    <a:ea typeface="+mn-ea"/>
+                    <a:cs typeface="+mn-cs"/>
+                  </a:defRPr>
+                </a:lvl1pPr>
+                <a:lvl2pPr marL="457200" indent="0">
+                  <a:defRPr sz="1100">
+                    <a:solidFill>
+                      <a:schemeClr val="tx1"/>
+                    </a:solidFill>
+                    <a:latin typeface="+mn-lt"/>
+                    <a:ea typeface="+mn-ea"/>
+                    <a:cs typeface="+mn-cs"/>
+                  </a:defRPr>
+                </a:lvl2pPr>
+                <a:lvl3pPr marL="914400" indent="0">
+                  <a:defRPr sz="1100">
+                    <a:solidFill>
+                      <a:schemeClr val="tx1"/>
+                    </a:solidFill>
+                    <a:latin typeface="+mn-lt"/>
+                    <a:ea typeface="+mn-ea"/>
+                    <a:cs typeface="+mn-cs"/>
+                  </a:defRPr>
+                </a:lvl3pPr>
+                <a:lvl4pPr marL="1371600" indent="0">
+                  <a:defRPr sz="1100">
+                    <a:solidFill>
+                      <a:schemeClr val="tx1"/>
+                    </a:solidFill>
+                    <a:latin typeface="+mn-lt"/>
+                    <a:ea typeface="+mn-ea"/>
+                    <a:cs typeface="+mn-cs"/>
+                  </a:defRPr>
+                </a:lvl4pPr>
+                <a:lvl5pPr marL="1828800" indent="0">
+                  <a:defRPr sz="1100">
+                    <a:solidFill>
+                      <a:schemeClr val="tx1"/>
+                    </a:solidFill>
+                    <a:latin typeface="+mn-lt"/>
+                    <a:ea typeface="+mn-ea"/>
+                    <a:cs typeface="+mn-cs"/>
+                  </a:defRPr>
+                </a:lvl5pPr>
+                <a:lvl6pPr marL="2286000" indent="0">
+                  <a:defRPr sz="1100">
+                    <a:solidFill>
+                      <a:schemeClr val="tx1"/>
+                    </a:solidFill>
+                    <a:latin typeface="+mn-lt"/>
+                    <a:ea typeface="+mn-ea"/>
+                    <a:cs typeface="+mn-cs"/>
+                  </a:defRPr>
+                </a:lvl6pPr>
+                <a:lvl7pPr marL="2743200" indent="0">
+                  <a:defRPr sz="1100">
+                    <a:solidFill>
+                      <a:schemeClr val="tx1"/>
+                    </a:solidFill>
+                    <a:latin typeface="+mn-lt"/>
+                    <a:ea typeface="+mn-ea"/>
+                    <a:cs typeface="+mn-cs"/>
+                  </a:defRPr>
+                </a:lvl7pPr>
+                <a:lvl8pPr marL="3200400" indent="0">
+                  <a:defRPr sz="1100">
+                    <a:solidFill>
+                      <a:schemeClr val="tx1"/>
+                    </a:solidFill>
+                    <a:latin typeface="+mn-lt"/>
+                    <a:ea typeface="+mn-ea"/>
+                    <a:cs typeface="+mn-cs"/>
+                  </a:defRPr>
+                </a:lvl8pPr>
+                <a:lvl9pPr marL="3657600" indent="0">
+                  <a:defRPr sz="1100">
+                    <a:solidFill>
+                      <a:schemeClr val="tx1"/>
+                    </a:solidFill>
+                    <a:latin typeface="+mn-lt"/>
+                    <a:ea typeface="+mn-ea"/>
+                    <a:cs typeface="+mn-cs"/>
+                  </a:defRPr>
+                </a:lvl9pPr>
+              </a:lstStyle>
+              <a:p>
+                <a:pPr/>
+                <a14:m>
+                  <m:oMathPara xmlns:m="http://schemas.openxmlformats.org/officeDocument/2006/math">
+                    <m:oMathParaPr>
+                      <m:jc m:val="centerGroup"/>
+                    </m:oMathParaPr>
+                    <m:oMath xmlns:m="http://schemas.openxmlformats.org/officeDocument/2006/math">
+                      <m:sSubSup>
+                        <m:sSubSupPr>
+                          <m:ctrlPr>
+                            <a:rPr lang="ru-RU" sz="1600" b="0" i="1">
+                              <a:solidFill>
+                                <a:schemeClr val="accent4">
+                                  <a:lumMod val="50000"/>
+                                </a:schemeClr>
+                              </a:solidFill>
+                              <a:latin typeface="Cambria Math" panose="02040503050406030204" pitchFamily="18" charset="0"/>
+                            </a:rPr>
+                          </m:ctrlPr>
+                        </m:sSubSupPr>
+                        <m:e>
+                          <m:r>
+                            <a:rPr lang="ru-RU" sz="1600" b="0" i="1">
+                              <a:solidFill>
+                                <a:schemeClr val="accent4">
+                                  <a:lumMod val="50000"/>
+                                </a:schemeClr>
+                              </a:solidFill>
+                              <a:latin typeface="Cambria Math" panose="02040503050406030204" pitchFamily="18" charset="0"/>
+                              <a:ea typeface="Cambria Math" panose="02040503050406030204" pitchFamily="18" charset="0"/>
+                            </a:rPr>
+                            <m:t>𝜎</m:t>
+                          </m:r>
+                        </m:e>
+                        <m:sub>
+                          <m:r>
+                            <a:rPr lang="en-US" sz="1600" b="0" i="1">
+                              <a:solidFill>
+                                <a:schemeClr val="accent4">
+                                  <a:lumMod val="50000"/>
+                                </a:schemeClr>
+                              </a:solidFill>
+                              <a:latin typeface="Cambria Math" panose="02040503050406030204" pitchFamily="18" charset="0"/>
+                            </a:rPr>
+                            <m:t>𝑝</m:t>
+                          </m:r>
+                        </m:sub>
+                        <m:sup>
+                          <m:r>
+                            <a:rPr lang="en-US" sz="1600" b="0" i="1">
+                              <a:solidFill>
+                                <a:schemeClr val="accent4">
+                                  <a:lumMod val="50000"/>
+                                </a:schemeClr>
+                              </a:solidFill>
+                              <a:latin typeface="Cambria Math" panose="02040503050406030204" pitchFamily="18" charset="0"/>
+                            </a:rPr>
+                            <m:t>2</m:t>
+                          </m:r>
+                        </m:sup>
+                      </m:sSubSup>
+                      <m:r>
+                        <a:rPr lang="ru-RU" sz="1600" b="0" i="1">
+                          <a:solidFill>
+                            <a:schemeClr val="accent4">
+                              <a:lumMod val="50000"/>
+                            </a:schemeClr>
+                          </a:solidFill>
+                          <a:latin typeface="Cambria Math" panose="02040503050406030204" pitchFamily="18" charset="0"/>
+                        </a:rPr>
+                        <m:t>=</m:t>
+                      </m:r>
+                      <m:m>
+                        <m:mPr>
+                          <m:mcs>
+                            <m:mc>
+                              <m:mcPr>
+                                <m:count m:val="2"/>
+                                <m:mcJc m:val="center"/>
+                              </m:mcPr>
+                            </m:mc>
+                          </m:mcs>
+                          <m:ctrlPr>
+                            <a:rPr lang="ru-RU" sz="1600" b="0" i="1">
+                              <a:solidFill>
+                                <a:schemeClr val="accent4">
+                                  <a:lumMod val="50000"/>
+                                </a:schemeClr>
+                              </a:solidFill>
+                              <a:latin typeface="Cambria Math" panose="02040503050406030204" pitchFamily="18" charset="0"/>
+                            </a:rPr>
+                          </m:ctrlPr>
+                        </m:mPr>
+                        <m:mr>
+                          <m:e>
+                            <m:sSub>
+                              <m:sSubPr>
+                                <m:ctrlPr>
+                                  <a:rPr lang="ru-RU" sz="1600" b="0" i="1">
+                                    <a:solidFill>
+                                      <a:schemeClr val="accent4">
+                                        <a:lumMod val="50000"/>
+                                      </a:schemeClr>
+                                    </a:solidFill>
+                                    <a:latin typeface="Cambria Math" panose="02040503050406030204" pitchFamily="18" charset="0"/>
+                                  </a:rPr>
+                                </m:ctrlPr>
+                              </m:sSubPr>
+                              <m:e>
+                                <m:r>
+                                  <a:rPr lang="en-US" sz="1600" b="0" i="1">
+                                    <a:solidFill>
+                                      <a:schemeClr val="accent4">
+                                        <a:lumMod val="50000"/>
+                                      </a:schemeClr>
+                                    </a:solidFill>
+                                    <a:latin typeface="Cambria Math" panose="02040503050406030204" pitchFamily="18" charset="0"/>
+                                  </a:rPr>
+                                  <m:t>[</m:t>
+                                </m:r>
+                                <m:r>
+                                  <a:rPr lang="en-US" sz="1600" b="0" i="1">
+                                    <a:solidFill>
+                                      <a:schemeClr val="accent4">
+                                        <a:lumMod val="50000"/>
+                                      </a:schemeClr>
+                                    </a:solidFill>
+                                    <a:latin typeface="Cambria Math" panose="02040503050406030204" pitchFamily="18" charset="0"/>
+                                  </a:rPr>
+                                  <m:t>𝑤</m:t>
+                                </m:r>
+                              </m:e>
+                              <m:sub>
+                                <m:r>
+                                  <a:rPr lang="en-US" sz="1600" b="0" i="1">
+                                    <a:solidFill>
+                                      <a:schemeClr val="accent4">
+                                        <a:lumMod val="50000"/>
+                                      </a:schemeClr>
+                                    </a:solidFill>
+                                    <a:latin typeface="Cambria Math" panose="02040503050406030204" pitchFamily="18" charset="0"/>
+                                  </a:rPr>
+                                  <m:t>1</m:t>
+                                </m:r>
+                              </m:sub>
+                            </m:sSub>
+                          </m:e>
+                          <m:e>
+                            <m:sSub>
+                              <m:sSubPr>
+                                <m:ctrlPr>
+                                  <a:rPr lang="ru-RU" sz="1600" b="0" i="1">
+                                    <a:solidFill>
+                                      <a:schemeClr val="accent4">
+                                        <a:lumMod val="50000"/>
+                                      </a:schemeClr>
+                                    </a:solidFill>
+                                    <a:latin typeface="Cambria Math" panose="02040503050406030204" pitchFamily="18" charset="0"/>
+                                  </a:rPr>
+                                </m:ctrlPr>
+                              </m:sSubPr>
+                              <m:e>
+                                <m:r>
+                                  <a:rPr lang="en-US" sz="1600" b="0" i="1">
+                                    <a:solidFill>
+                                      <a:schemeClr val="accent4">
+                                        <a:lumMod val="50000"/>
+                                      </a:schemeClr>
+                                    </a:solidFill>
+                                    <a:latin typeface="Cambria Math" panose="02040503050406030204" pitchFamily="18" charset="0"/>
+                                  </a:rPr>
+                                  <m:t>𝑤</m:t>
+                                </m:r>
+                              </m:e>
+                              <m:sub>
+                                <m:r>
+                                  <a:rPr lang="en-US" sz="1600" b="0" i="1">
+                                    <a:solidFill>
+                                      <a:schemeClr val="accent4">
+                                        <a:lumMod val="50000"/>
+                                      </a:schemeClr>
+                                    </a:solidFill>
+                                    <a:latin typeface="Cambria Math" panose="02040503050406030204" pitchFamily="18" charset="0"/>
+                                  </a:rPr>
+                                  <m:t>2</m:t>
+                                </m:r>
+                              </m:sub>
+                            </m:sSub>
+                            <m:r>
+                              <a:rPr lang="en-US" sz="1600" b="0" i="1">
+                                <a:solidFill>
+                                  <a:schemeClr val="accent4">
+                                    <a:lumMod val="50000"/>
+                                  </a:schemeClr>
+                                </a:solidFill>
+                                <a:latin typeface="Cambria Math" panose="02040503050406030204" pitchFamily="18" charset="0"/>
+                              </a:rPr>
+                              <m:t>]</m:t>
+                            </m:r>
+                          </m:e>
+                        </m:mr>
+                      </m:m>
+                      <m:d>
+                        <m:dPr>
+                          <m:begChr m:val="["/>
+                          <m:endChr m:val="]"/>
+                          <m:ctrlPr>
+                            <a:rPr lang="ru-RU" sz="1600" b="0" i="1">
+                              <a:solidFill>
+                                <a:schemeClr val="accent4">
+                                  <a:lumMod val="50000"/>
+                                </a:schemeClr>
+                              </a:solidFill>
+                              <a:latin typeface="Cambria Math" panose="02040503050406030204" pitchFamily="18" charset="0"/>
+                            </a:rPr>
+                          </m:ctrlPr>
+                        </m:dPr>
+                        <m:e>
+                          <m:m>
+                            <m:mPr>
+                              <m:mcs>
+                                <m:mc>
+                                  <m:mcPr>
+                                    <m:count m:val="2"/>
+                                    <m:mcJc m:val="center"/>
+                                  </m:mcPr>
+                                </m:mc>
+                              </m:mcs>
+                              <m:ctrlPr>
+                                <a:rPr lang="ru-RU" sz="1600" b="0" i="1">
+                                  <a:solidFill>
+                                    <a:schemeClr val="accent4">
+                                      <a:lumMod val="50000"/>
+                                    </a:schemeClr>
+                                  </a:solidFill>
+                                  <a:latin typeface="Cambria Math" panose="02040503050406030204" pitchFamily="18" charset="0"/>
+                                </a:rPr>
+                              </m:ctrlPr>
+                            </m:mPr>
+                            <m:mr>
+                              <m:e>
+                                <m:sSubSup>
+                                  <m:sSubSupPr>
+                                    <m:ctrlPr>
+                                      <a:rPr lang="ru-RU" sz="1600" b="0" i="1">
+                                        <a:solidFill>
+                                          <a:schemeClr val="accent4">
+                                            <a:lumMod val="50000"/>
+                                          </a:schemeClr>
+                                        </a:solidFill>
+                                        <a:latin typeface="Cambria Math" panose="02040503050406030204" pitchFamily="18" charset="0"/>
+                                      </a:rPr>
+                                    </m:ctrlPr>
+                                  </m:sSubSupPr>
+                                  <m:e>
+                                    <m:r>
+                                      <a:rPr lang="ru-RU" sz="1600" b="0" i="1">
+                                        <a:solidFill>
+                                          <a:schemeClr val="accent4">
+                                            <a:lumMod val="50000"/>
+                                          </a:schemeClr>
+                                        </a:solidFill>
+                                        <a:latin typeface="Cambria Math" panose="02040503050406030204" pitchFamily="18" charset="0"/>
+                                        <a:ea typeface="Cambria Math" panose="02040503050406030204" pitchFamily="18" charset="0"/>
+                                      </a:rPr>
+                                      <m:t>𝜎</m:t>
+                                    </m:r>
+                                  </m:e>
+                                  <m:sub>
+                                    <m:r>
+                                      <a:rPr lang="en-US" sz="1600" b="0" i="1">
+                                        <a:solidFill>
+                                          <a:schemeClr val="accent4">
+                                            <a:lumMod val="50000"/>
+                                          </a:schemeClr>
+                                        </a:solidFill>
+                                        <a:latin typeface="Cambria Math" panose="02040503050406030204" pitchFamily="18" charset="0"/>
+                                      </a:rPr>
+                                      <m:t>1</m:t>
+                                    </m:r>
+                                  </m:sub>
+                                  <m:sup>
+                                    <m:r>
+                                      <a:rPr lang="en-US" sz="1600" b="0" i="1">
+                                        <a:solidFill>
+                                          <a:schemeClr val="accent4">
+                                            <a:lumMod val="50000"/>
+                                          </a:schemeClr>
+                                        </a:solidFill>
+                                        <a:latin typeface="Cambria Math" panose="02040503050406030204" pitchFamily="18" charset="0"/>
+                                      </a:rPr>
+                                      <m:t>2</m:t>
+                                    </m:r>
+                                  </m:sup>
+                                </m:sSubSup>
+                              </m:e>
+                              <m:e>
+                                <m:sSub>
+                                  <m:sSubPr>
+                                    <m:ctrlPr>
+                                      <a:rPr lang="ru-RU" sz="1600" b="0" i="1">
+                                        <a:solidFill>
+                                          <a:schemeClr val="accent4">
+                                            <a:lumMod val="50000"/>
+                                          </a:schemeClr>
+                                        </a:solidFill>
+                                        <a:latin typeface="Cambria Math" panose="02040503050406030204" pitchFamily="18" charset="0"/>
+                                      </a:rPr>
+                                    </m:ctrlPr>
+                                  </m:sSubPr>
+                                  <m:e>
+                                    <m:r>
+                                      <a:rPr lang="ru-RU" sz="1600" b="0" i="1">
+                                        <a:solidFill>
+                                          <a:schemeClr val="accent4">
+                                            <a:lumMod val="50000"/>
+                                          </a:schemeClr>
+                                        </a:solidFill>
+                                        <a:latin typeface="Cambria Math" panose="02040503050406030204" pitchFamily="18" charset="0"/>
+                                        <a:ea typeface="Cambria Math" panose="02040503050406030204" pitchFamily="18" charset="0"/>
+                                      </a:rPr>
+                                      <m:t>𝜎</m:t>
+                                    </m:r>
+                                  </m:e>
+                                  <m:sub>
+                                    <m:r>
+                                      <a:rPr lang="en-US" sz="1600" b="0" i="1">
+                                        <a:solidFill>
+                                          <a:schemeClr val="accent4">
+                                            <a:lumMod val="50000"/>
+                                          </a:schemeClr>
+                                        </a:solidFill>
+                                        <a:latin typeface="Cambria Math" panose="02040503050406030204" pitchFamily="18" charset="0"/>
+                                      </a:rPr>
+                                      <m:t>1</m:t>
+                                    </m:r>
+                                  </m:sub>
+                                </m:sSub>
+                                <m:sSub>
+                                  <m:sSubPr>
+                                    <m:ctrlPr>
+                                      <a:rPr lang="ru-RU" sz="1600" b="0" i="1">
+                                        <a:solidFill>
+                                          <a:schemeClr val="accent4">
+                                            <a:lumMod val="50000"/>
+                                          </a:schemeClr>
+                                        </a:solidFill>
+                                        <a:latin typeface="Cambria Math" panose="02040503050406030204" pitchFamily="18" charset="0"/>
+                                      </a:rPr>
+                                    </m:ctrlPr>
+                                  </m:sSubPr>
+                                  <m:e>
+                                    <m:r>
+                                      <a:rPr lang="ru-RU" sz="1600" b="0" i="1">
+                                        <a:solidFill>
+                                          <a:schemeClr val="accent4">
+                                            <a:lumMod val="50000"/>
+                                          </a:schemeClr>
+                                        </a:solidFill>
+                                        <a:latin typeface="Cambria Math" panose="02040503050406030204" pitchFamily="18" charset="0"/>
+                                        <a:ea typeface="Cambria Math" panose="02040503050406030204" pitchFamily="18" charset="0"/>
+                                      </a:rPr>
+                                      <m:t>𝜎</m:t>
+                                    </m:r>
+                                  </m:e>
+                                  <m:sub>
+                                    <m:r>
+                                      <a:rPr lang="en-US" sz="1600" b="0" i="1">
+                                        <a:solidFill>
+                                          <a:schemeClr val="accent4">
+                                            <a:lumMod val="50000"/>
+                                          </a:schemeClr>
+                                        </a:solidFill>
+                                        <a:latin typeface="Cambria Math" panose="02040503050406030204" pitchFamily="18" charset="0"/>
+                                      </a:rPr>
+                                      <m:t>2</m:t>
+                                    </m:r>
+                                  </m:sub>
+                                </m:sSub>
+                                <m:sSub>
+                                  <m:sSubPr>
+                                    <m:ctrlPr>
+                                      <a:rPr lang="ru-RU" sz="1600" b="0" i="1">
+                                        <a:solidFill>
+                                          <a:schemeClr val="accent4">
+                                            <a:lumMod val="50000"/>
+                                          </a:schemeClr>
+                                        </a:solidFill>
+                                        <a:latin typeface="Cambria Math" panose="02040503050406030204" pitchFamily="18" charset="0"/>
+                                      </a:rPr>
+                                    </m:ctrlPr>
+                                  </m:sSubPr>
+                                  <m:e>
+                                    <m:r>
+                                      <a:rPr lang="en-US" sz="1600" b="0" i="1">
+                                        <a:solidFill>
+                                          <a:schemeClr val="accent4">
+                                            <a:lumMod val="50000"/>
+                                          </a:schemeClr>
+                                        </a:solidFill>
+                                        <a:latin typeface="Cambria Math" panose="02040503050406030204" pitchFamily="18" charset="0"/>
+                                      </a:rPr>
+                                      <m:t>𝐶𝑜𝑟𝑟</m:t>
+                                    </m:r>
+                                  </m:e>
+                                  <m:sub>
+                                    <m:r>
+                                      <a:rPr lang="en-US" sz="1600" b="0" i="1">
+                                        <a:solidFill>
+                                          <a:schemeClr val="accent4">
+                                            <a:lumMod val="50000"/>
+                                          </a:schemeClr>
+                                        </a:solidFill>
+                                        <a:latin typeface="Cambria Math" panose="02040503050406030204" pitchFamily="18" charset="0"/>
+                                      </a:rPr>
+                                      <m:t>1,2</m:t>
+                                    </m:r>
+                                  </m:sub>
+                                </m:sSub>
+                              </m:e>
+                            </m:mr>
+                            <m:mr>
+                              <m:e>
+                                <m:sSub>
+                                  <m:sSubPr>
+                                    <m:ctrlPr>
+                                      <a:rPr lang="ru-RU" sz="1600" b="0" i="1">
+                                        <a:solidFill>
+                                          <a:schemeClr val="accent4">
+                                            <a:lumMod val="50000"/>
+                                          </a:schemeClr>
+                                        </a:solidFill>
+                                        <a:latin typeface="Cambria Math" panose="02040503050406030204" pitchFamily="18" charset="0"/>
+                                      </a:rPr>
+                                    </m:ctrlPr>
+                                  </m:sSubPr>
+                                  <m:e>
+                                    <m:r>
+                                      <a:rPr lang="ru-RU" sz="1600" b="0" i="1">
+                                        <a:solidFill>
+                                          <a:schemeClr val="accent4">
+                                            <a:lumMod val="50000"/>
+                                          </a:schemeClr>
+                                        </a:solidFill>
+                                        <a:latin typeface="Cambria Math" panose="02040503050406030204" pitchFamily="18" charset="0"/>
+                                        <a:ea typeface="Cambria Math" panose="02040503050406030204" pitchFamily="18" charset="0"/>
+                                      </a:rPr>
+                                      <m:t>𝜎</m:t>
+                                    </m:r>
+                                  </m:e>
+                                  <m:sub>
+                                    <m:r>
+                                      <a:rPr lang="en-US" sz="1600" b="0" i="1">
+                                        <a:solidFill>
+                                          <a:schemeClr val="accent4">
+                                            <a:lumMod val="50000"/>
+                                          </a:schemeClr>
+                                        </a:solidFill>
+                                        <a:latin typeface="Cambria Math" panose="02040503050406030204" pitchFamily="18" charset="0"/>
+                                      </a:rPr>
+                                      <m:t>2</m:t>
+                                    </m:r>
+                                  </m:sub>
+                                </m:sSub>
+                                <m:sSub>
+                                  <m:sSubPr>
+                                    <m:ctrlPr>
+                                      <a:rPr lang="ru-RU" sz="1600" b="0" i="1">
+                                        <a:solidFill>
+                                          <a:schemeClr val="accent4">
+                                            <a:lumMod val="50000"/>
+                                          </a:schemeClr>
+                                        </a:solidFill>
+                                        <a:latin typeface="Cambria Math" panose="02040503050406030204" pitchFamily="18" charset="0"/>
+                                      </a:rPr>
+                                    </m:ctrlPr>
+                                  </m:sSubPr>
+                                  <m:e>
+                                    <m:r>
+                                      <a:rPr lang="ru-RU" sz="1600" b="0" i="1">
+                                        <a:solidFill>
+                                          <a:schemeClr val="accent4">
+                                            <a:lumMod val="50000"/>
+                                          </a:schemeClr>
+                                        </a:solidFill>
+                                        <a:latin typeface="Cambria Math" panose="02040503050406030204" pitchFamily="18" charset="0"/>
+                                        <a:ea typeface="Cambria Math" panose="02040503050406030204" pitchFamily="18" charset="0"/>
+                                      </a:rPr>
+                                      <m:t>𝜎</m:t>
+                                    </m:r>
+                                  </m:e>
+                                  <m:sub>
+                                    <m:r>
+                                      <a:rPr lang="en-US" sz="1600" b="0" i="1">
+                                        <a:solidFill>
+                                          <a:schemeClr val="accent4">
+                                            <a:lumMod val="50000"/>
+                                          </a:schemeClr>
+                                        </a:solidFill>
+                                        <a:latin typeface="Cambria Math" panose="02040503050406030204" pitchFamily="18" charset="0"/>
+                                      </a:rPr>
+                                      <m:t>1</m:t>
+                                    </m:r>
+                                  </m:sub>
+                                </m:sSub>
+                                <m:sSub>
+                                  <m:sSubPr>
+                                    <m:ctrlPr>
+                                      <a:rPr lang="ru-RU" sz="1600" b="0" i="1">
+                                        <a:solidFill>
+                                          <a:schemeClr val="accent4">
+                                            <a:lumMod val="50000"/>
+                                          </a:schemeClr>
+                                        </a:solidFill>
+                                        <a:latin typeface="Cambria Math" panose="02040503050406030204" pitchFamily="18" charset="0"/>
+                                      </a:rPr>
+                                    </m:ctrlPr>
+                                  </m:sSubPr>
+                                  <m:e>
+                                    <m:r>
+                                      <a:rPr lang="en-US" sz="1600" b="0" i="1">
+                                        <a:solidFill>
+                                          <a:schemeClr val="accent4">
+                                            <a:lumMod val="50000"/>
+                                          </a:schemeClr>
+                                        </a:solidFill>
+                                        <a:latin typeface="Cambria Math" panose="02040503050406030204" pitchFamily="18" charset="0"/>
+                                      </a:rPr>
+                                      <m:t>𝐶𝑜𝑟𝑟</m:t>
+                                    </m:r>
+                                  </m:e>
+                                  <m:sub>
+                                    <m:r>
+                                      <a:rPr lang="en-US" sz="1600" b="0" i="1">
+                                        <a:solidFill>
+                                          <a:schemeClr val="accent4">
+                                            <a:lumMod val="50000"/>
+                                          </a:schemeClr>
+                                        </a:solidFill>
+                                        <a:latin typeface="Cambria Math" panose="02040503050406030204" pitchFamily="18" charset="0"/>
+                                      </a:rPr>
+                                      <m:t>2,1</m:t>
+                                    </m:r>
+                                  </m:sub>
+                                </m:sSub>
+                              </m:e>
+                              <m:e>
+                                <m:sSubSup>
+                                  <m:sSubSupPr>
+                                    <m:ctrlPr>
+                                      <a:rPr lang="ru-RU" sz="1600" b="0" i="1">
+                                        <a:solidFill>
+                                          <a:schemeClr val="accent4">
+                                            <a:lumMod val="50000"/>
+                                          </a:schemeClr>
+                                        </a:solidFill>
+                                        <a:latin typeface="Cambria Math" panose="02040503050406030204" pitchFamily="18" charset="0"/>
+                                      </a:rPr>
+                                    </m:ctrlPr>
+                                  </m:sSubSupPr>
+                                  <m:e>
+                                    <m:r>
+                                      <a:rPr lang="ru-RU" sz="1600" b="0" i="1">
+                                        <a:solidFill>
+                                          <a:schemeClr val="accent4">
+                                            <a:lumMod val="50000"/>
+                                          </a:schemeClr>
+                                        </a:solidFill>
+                                        <a:latin typeface="Cambria Math" panose="02040503050406030204" pitchFamily="18" charset="0"/>
+                                        <a:ea typeface="Cambria Math" panose="02040503050406030204" pitchFamily="18" charset="0"/>
+                                      </a:rPr>
+                                      <m:t>𝜎</m:t>
+                                    </m:r>
+                                  </m:e>
+                                  <m:sub>
+                                    <m:r>
+                                      <a:rPr lang="en-US" sz="1600" b="0" i="1">
+                                        <a:solidFill>
+                                          <a:schemeClr val="accent4">
+                                            <a:lumMod val="50000"/>
+                                          </a:schemeClr>
+                                        </a:solidFill>
+                                        <a:latin typeface="Cambria Math" panose="02040503050406030204" pitchFamily="18" charset="0"/>
+                                      </a:rPr>
+                                      <m:t>2</m:t>
+                                    </m:r>
+                                  </m:sub>
+                                  <m:sup>
+                                    <m:r>
+                                      <a:rPr lang="en-US" sz="1600" b="0" i="1">
+                                        <a:solidFill>
+                                          <a:schemeClr val="accent4">
+                                            <a:lumMod val="50000"/>
+                                          </a:schemeClr>
+                                        </a:solidFill>
+                                        <a:latin typeface="Cambria Math" panose="02040503050406030204" pitchFamily="18" charset="0"/>
+                                      </a:rPr>
+                                      <m:t>2</m:t>
+                                    </m:r>
+                                  </m:sup>
+                                </m:sSubSup>
+                              </m:e>
+                            </m:mr>
+                          </m:m>
+                        </m:e>
+                      </m:d>
+                      <m:d>
+                        <m:dPr>
+                          <m:begChr m:val="["/>
+                          <m:endChr m:val="]"/>
+                          <m:ctrlPr>
+                            <a:rPr lang="ru-RU" sz="1600" b="0" i="1">
+                              <a:solidFill>
+                                <a:schemeClr val="accent4">
+                                  <a:lumMod val="50000"/>
+                                </a:schemeClr>
+                              </a:solidFill>
+                              <a:latin typeface="Cambria Math" panose="02040503050406030204" pitchFamily="18" charset="0"/>
+                            </a:rPr>
+                          </m:ctrlPr>
+                        </m:dPr>
+                        <m:e>
+                          <m:eqArr>
+                            <m:eqArrPr>
+                              <m:ctrlPr>
+                                <a:rPr lang="ru-RU" sz="1600" b="0" i="1">
+                                  <a:solidFill>
+                                    <a:schemeClr val="accent4">
+                                      <a:lumMod val="50000"/>
+                                    </a:schemeClr>
+                                  </a:solidFill>
+                                  <a:latin typeface="Cambria Math" panose="02040503050406030204" pitchFamily="18" charset="0"/>
+                                </a:rPr>
+                              </m:ctrlPr>
+                            </m:eqArrPr>
+                            <m:e>
+                              <m:sSub>
+                                <m:sSubPr>
+                                  <m:ctrlPr>
+                                    <a:rPr lang="ru-RU" sz="1600" b="0" i="1">
+                                      <a:solidFill>
+                                        <a:schemeClr val="accent4">
+                                          <a:lumMod val="50000"/>
+                                        </a:schemeClr>
+                                      </a:solidFill>
+                                      <a:latin typeface="Cambria Math" panose="02040503050406030204" pitchFamily="18" charset="0"/>
+                                    </a:rPr>
+                                  </m:ctrlPr>
+                                </m:sSubPr>
+                                <m:e>
+                                  <m:r>
+                                    <a:rPr lang="en-US" sz="1600" b="0" i="1">
+                                      <a:solidFill>
+                                        <a:schemeClr val="accent4">
+                                          <a:lumMod val="50000"/>
+                                        </a:schemeClr>
+                                      </a:solidFill>
+                                      <a:latin typeface="Cambria Math" panose="02040503050406030204" pitchFamily="18" charset="0"/>
+                                    </a:rPr>
+                                    <m:t>𝑤</m:t>
+                                  </m:r>
+                                </m:e>
+                                <m:sub>
+                                  <m:r>
+                                    <a:rPr lang="en-US" sz="1600" b="0" i="1">
+                                      <a:solidFill>
+                                        <a:schemeClr val="accent4">
+                                          <a:lumMod val="50000"/>
+                                        </a:schemeClr>
+                                      </a:solidFill>
+                                      <a:latin typeface="Cambria Math" panose="02040503050406030204" pitchFamily="18" charset="0"/>
+                                    </a:rPr>
+                                    <m:t>1</m:t>
+                                  </m:r>
+                                </m:sub>
+                              </m:sSub>
+                            </m:e>
+                            <m:e>
+                              <m:sSub>
+                                <m:sSubPr>
+                                  <m:ctrlPr>
+                                    <a:rPr lang="ru-RU" sz="1600" i="1">
+                                      <a:solidFill>
+                                        <a:schemeClr val="accent4">
+                                          <a:lumMod val="50000"/>
+                                        </a:schemeClr>
+                                      </a:solidFill>
+                                      <a:latin typeface="Cambria Math" panose="02040503050406030204" pitchFamily="18" charset="0"/>
+                                    </a:rPr>
+                                  </m:ctrlPr>
+                                </m:sSubPr>
+                                <m:e>
+                                  <m:r>
+                                    <a:rPr lang="en-US" sz="1600" b="0" i="1">
+                                      <a:solidFill>
+                                        <a:schemeClr val="accent4">
+                                          <a:lumMod val="50000"/>
+                                        </a:schemeClr>
+                                      </a:solidFill>
+                                      <a:latin typeface="Cambria Math" panose="02040503050406030204" pitchFamily="18" charset="0"/>
+                                    </a:rPr>
+                                    <m:t>𝑤</m:t>
+                                  </m:r>
+                                </m:e>
+                                <m:sub>
+                                  <m:r>
+                                    <a:rPr lang="en-US" sz="1600" b="0" i="1">
+                                      <a:solidFill>
+                                        <a:schemeClr val="accent4">
+                                          <a:lumMod val="50000"/>
+                                        </a:schemeClr>
+                                      </a:solidFill>
+                                      <a:latin typeface="Cambria Math" panose="02040503050406030204" pitchFamily="18" charset="0"/>
+                                    </a:rPr>
+                                    <m:t>2</m:t>
+                                  </m:r>
+                                </m:sub>
+                              </m:sSub>
+                            </m:e>
+                          </m:eqArr>
+                        </m:e>
+                      </m:d>
+                    </m:oMath>
+                  </m:oMathPara>
+                </a14:m>
+                <a:endParaRPr lang="en-US" sz="1600" b="0" dirty="0">
+                  <a:solidFill>
+                    <a:schemeClr val="accent4">
+                      <a:lumMod val="50000"/>
+                    </a:schemeClr>
+                  </a:solidFill>
+                </a:endParaRPr>
+              </a:p>
+            </p:txBody>
+          </p:sp>
+        </mc:Choice>
+        <mc:Fallback>
+          <p:sp>
+            <p:nvSpPr>
+              <p:cNvPr id="17" name="TextBox 2">
+                <a:extLst>
+                  <a:ext uri="{FF2B5EF4-FFF2-40B4-BE49-F238E27FC236}">
+                    <a16:creationId xmlns:a16="http://schemas.microsoft.com/office/drawing/2014/main" id="{34272175-D659-4992-A7BB-F32960BEDEF7}"/>
+                  </a:ext>
+                </a:extLst>
+              </p:cNvPr>
+              <p:cNvSpPr txBox="1">
+                <a:spLocks noRot="1" noChangeAspect="1" noMove="1" noResize="1" noEditPoints="1" noAdjustHandles="1" noChangeArrowheads="1" noChangeShapeType="1" noTextEdit="1"/>
+              </p:cNvSpPr>
+              <p:nvPr/>
+            </p:nvSpPr>
+            <p:spPr>
+              <a:xfrm>
+                <a:off x="2421731" y="2107432"/>
+                <a:ext cx="4300538" cy="928687"/>
+              </a:xfrm>
+              <a:prstGeom prst="rect">
+                <a:avLst/>
+              </a:prstGeom>
+              <a:blipFill>
+                <a:blip r:embed="rId3"/>
+                <a:stretch>
+                  <a:fillRect/>
+                </a:stretch>
+              </a:blipFill>
+              <a:ln>
+                <a:solidFill>
+                  <a:schemeClr val="accent4">
+                    <a:lumMod val="50000"/>
+                  </a:schemeClr>
+                </a:solidFill>
+              </a:ln>
+            </p:spPr>
+            <p:txBody>
+              <a:bodyPr/>
+              <a:lstStyle/>
+              <a:p>
+                <a:r>
+                  <a:rPr lang="ru-RU">
+                    <a:noFill/>
+                  </a:rPr>
+                  <a:t> </a:t>
+                </a:r>
+              </a:p>
+            </p:txBody>
+          </p:sp>
+        </mc:Fallback>
+      </mc:AlternateContent>
+      <mc:AlternateContent xmlns:mc="http://schemas.openxmlformats.org/markup-compatibility/2006">
+        <mc:Choice xmlns:a14="http://schemas.microsoft.com/office/drawing/2010/main" Requires="a14">
+          <p:sp>
+            <p:nvSpPr>
+              <p:cNvPr id="19" name="TextBox 2">
+                <a:extLst>
+                  <a:ext uri="{FF2B5EF4-FFF2-40B4-BE49-F238E27FC236}">
+                    <a16:creationId xmlns:a16="http://schemas.microsoft.com/office/drawing/2014/main" id="{333D6808-7C44-40AD-8B4D-F6CD55F596B1}"/>
+                  </a:ext>
+                </a:extLst>
+              </p:cNvPr>
+              <p:cNvSpPr txBox="1"/>
+              <p:nvPr/>
+            </p:nvSpPr>
+            <p:spPr>
+              <a:xfrm>
+                <a:off x="1501258" y="3806124"/>
+                <a:ext cx="6357508" cy="1200150"/>
+              </a:xfrm>
+              <a:prstGeom prst="rect">
+                <a:avLst/>
+              </a:prstGeom>
+              <a:solidFill>
+                <a:sysClr val="window" lastClr="FFFFFF"/>
+              </a:solidFill>
+              <a:ln>
+                <a:solidFill>
+                  <a:schemeClr val="accent4">
+                    <a:lumMod val="50000"/>
+                  </a:schemeClr>
+                </a:solidFill>
+              </a:ln>
+            </p:spPr>
+            <p:style>
+              <a:lnRef idx="0">
+                <a:scrgbClr r="0" g="0" b="0"/>
+              </a:lnRef>
+              <a:fillRef idx="0">
+                <a:scrgbClr r="0" g="0" b="0"/>
+              </a:fillRef>
+              <a:effectRef idx="0">
+                <a:scrgbClr r="0" g="0" b="0"/>
+              </a:effectRef>
+              <a:fontRef idx="minor">
+                <a:schemeClr val="tx1"/>
+              </a:fontRef>
+            </p:style>
+            <p:txBody>
+              <a:bodyPr wrap="none" lIns="0" tIns="0" rIns="0" bIns="0" rtlCol="0" anchor="ctr">
+                <a:noAutofit/>
+              </a:bodyPr>
+              <a:lstStyle>
+                <a:lvl1pPr marL="0" indent="0">
+                  <a:defRPr sz="1100">
+                    <a:solidFill>
+                      <a:schemeClr val="tx1"/>
+                    </a:solidFill>
+                    <a:latin typeface="+mn-lt"/>
+                    <a:ea typeface="+mn-ea"/>
+                    <a:cs typeface="+mn-cs"/>
+                  </a:defRPr>
+                </a:lvl1pPr>
+                <a:lvl2pPr marL="457200" indent="0">
+                  <a:defRPr sz="1100">
+                    <a:solidFill>
+                      <a:schemeClr val="tx1"/>
+                    </a:solidFill>
+                    <a:latin typeface="+mn-lt"/>
+                    <a:ea typeface="+mn-ea"/>
+                    <a:cs typeface="+mn-cs"/>
+                  </a:defRPr>
+                </a:lvl2pPr>
+                <a:lvl3pPr marL="914400" indent="0">
+                  <a:defRPr sz="1100">
+                    <a:solidFill>
+                      <a:schemeClr val="tx1"/>
+                    </a:solidFill>
+                    <a:latin typeface="+mn-lt"/>
+                    <a:ea typeface="+mn-ea"/>
+                    <a:cs typeface="+mn-cs"/>
+                  </a:defRPr>
+                </a:lvl3pPr>
+                <a:lvl4pPr marL="1371600" indent="0">
+                  <a:defRPr sz="1100">
+                    <a:solidFill>
+                      <a:schemeClr val="tx1"/>
+                    </a:solidFill>
+                    <a:latin typeface="+mn-lt"/>
+                    <a:ea typeface="+mn-ea"/>
+                    <a:cs typeface="+mn-cs"/>
+                  </a:defRPr>
+                </a:lvl4pPr>
+                <a:lvl5pPr marL="1828800" indent="0">
+                  <a:defRPr sz="1100">
+                    <a:solidFill>
+                      <a:schemeClr val="tx1"/>
+                    </a:solidFill>
+                    <a:latin typeface="+mn-lt"/>
+                    <a:ea typeface="+mn-ea"/>
+                    <a:cs typeface="+mn-cs"/>
+                  </a:defRPr>
+                </a:lvl5pPr>
+                <a:lvl6pPr marL="2286000" indent="0">
+                  <a:defRPr sz="1100">
+                    <a:solidFill>
+                      <a:schemeClr val="tx1"/>
+                    </a:solidFill>
+                    <a:latin typeface="+mn-lt"/>
+                    <a:ea typeface="+mn-ea"/>
+                    <a:cs typeface="+mn-cs"/>
+                  </a:defRPr>
+                </a:lvl6pPr>
+                <a:lvl7pPr marL="2743200" indent="0">
+                  <a:defRPr sz="1100">
+                    <a:solidFill>
+                      <a:schemeClr val="tx1"/>
+                    </a:solidFill>
+                    <a:latin typeface="+mn-lt"/>
+                    <a:ea typeface="+mn-ea"/>
+                    <a:cs typeface="+mn-cs"/>
+                  </a:defRPr>
+                </a:lvl7pPr>
+                <a:lvl8pPr marL="3200400" indent="0">
+                  <a:defRPr sz="1100">
+                    <a:solidFill>
+                      <a:schemeClr val="tx1"/>
+                    </a:solidFill>
+                    <a:latin typeface="+mn-lt"/>
+                    <a:ea typeface="+mn-ea"/>
+                    <a:cs typeface="+mn-cs"/>
+                  </a:defRPr>
+                </a:lvl8pPr>
+                <a:lvl9pPr marL="3657600" indent="0">
+                  <a:defRPr sz="1100">
+                    <a:solidFill>
+                      <a:schemeClr val="tx1"/>
+                    </a:solidFill>
+                    <a:latin typeface="+mn-lt"/>
+                    <a:ea typeface="+mn-ea"/>
+                    <a:cs typeface="+mn-cs"/>
+                  </a:defRPr>
+                </a:lvl9pPr>
+              </a:lstStyle>
+              <a:p>
+                <a:pPr/>
+                <a14:m>
+                  <m:oMathPara xmlns:m="http://schemas.openxmlformats.org/officeDocument/2006/math">
+                    <m:oMathParaPr>
+                      <m:jc m:val="centerGroup"/>
+                    </m:oMathParaPr>
+                    <m:oMath xmlns:m="http://schemas.openxmlformats.org/officeDocument/2006/math">
+                      <m:sSubSup>
+                        <m:sSubSupPr>
+                          <m:ctrlPr>
+                            <a:rPr lang="ru-RU" sz="1600" b="0" i="1">
+                              <a:solidFill>
+                                <a:schemeClr val="accent4">
+                                  <a:lumMod val="50000"/>
+                                </a:schemeClr>
+                              </a:solidFill>
+                              <a:latin typeface="Cambria Math" panose="02040503050406030204" pitchFamily="18" charset="0"/>
+                            </a:rPr>
+                          </m:ctrlPr>
+                        </m:sSubSupPr>
+                        <m:e>
+                          <m:r>
+                            <a:rPr lang="ru-RU" sz="1600" b="0" i="1">
+                              <a:solidFill>
+                                <a:schemeClr val="accent4">
+                                  <a:lumMod val="50000"/>
+                                </a:schemeClr>
+                              </a:solidFill>
+                              <a:latin typeface="Cambria Math" panose="02040503050406030204" pitchFamily="18" charset="0"/>
+                              <a:ea typeface="Cambria Math" panose="02040503050406030204" pitchFamily="18" charset="0"/>
+                            </a:rPr>
+                            <m:t>𝜎</m:t>
+                          </m:r>
+                        </m:e>
+                        <m:sub>
+                          <m:r>
+                            <a:rPr lang="en-US" sz="1600" b="0" i="1">
+                              <a:solidFill>
+                                <a:schemeClr val="accent4">
+                                  <a:lumMod val="50000"/>
+                                </a:schemeClr>
+                              </a:solidFill>
+                              <a:latin typeface="Cambria Math" panose="02040503050406030204" pitchFamily="18" charset="0"/>
+                            </a:rPr>
+                            <m:t>𝑝</m:t>
+                          </m:r>
+                        </m:sub>
+                        <m:sup>
+                          <m:r>
+                            <a:rPr lang="en-US" sz="1600" b="0" i="1">
+                              <a:solidFill>
+                                <a:schemeClr val="accent4">
+                                  <a:lumMod val="50000"/>
+                                </a:schemeClr>
+                              </a:solidFill>
+                              <a:latin typeface="Cambria Math" panose="02040503050406030204" pitchFamily="18" charset="0"/>
+                            </a:rPr>
+                            <m:t>2</m:t>
+                          </m:r>
+                        </m:sup>
+                      </m:sSubSup>
+                      <m:r>
+                        <a:rPr lang="ru-RU" sz="1600" b="0" i="1">
+                          <a:solidFill>
+                            <a:schemeClr val="accent4">
+                              <a:lumMod val="50000"/>
+                            </a:schemeClr>
+                          </a:solidFill>
+                          <a:latin typeface="Cambria Math" panose="02040503050406030204" pitchFamily="18" charset="0"/>
+                        </a:rPr>
+                        <m:t>=</m:t>
+                      </m:r>
+                      <m:r>
+                        <a:rPr lang="en-US" sz="1600" b="0" i="1">
+                          <a:solidFill>
+                            <a:schemeClr val="accent4">
+                              <a:lumMod val="50000"/>
+                            </a:schemeClr>
+                          </a:solidFill>
+                          <a:latin typeface="Cambria Math" panose="02040503050406030204" pitchFamily="18" charset="0"/>
+                        </a:rPr>
+                        <m:t>[</m:t>
+                      </m:r>
+                      <m:m>
+                        <m:mPr>
+                          <m:mcs>
+                            <m:mc>
+                              <m:mcPr>
+                                <m:count m:val="3"/>
+                                <m:mcJc m:val="center"/>
+                              </m:mcPr>
+                            </m:mc>
+                          </m:mcs>
+                          <m:ctrlPr>
+                            <a:rPr lang="en-US" sz="1600" b="0" i="1">
+                              <a:solidFill>
+                                <a:schemeClr val="accent4">
+                                  <a:lumMod val="50000"/>
+                                </a:schemeClr>
+                              </a:solidFill>
+                              <a:latin typeface="Cambria Math" panose="02040503050406030204" pitchFamily="18" charset="0"/>
+                            </a:rPr>
+                          </m:ctrlPr>
+                        </m:mPr>
+                        <m:mr>
+                          <m:e>
+                            <m:sSub>
+                              <m:sSubPr>
+                                <m:ctrlPr>
+                                  <a:rPr lang="en-US" sz="1600" b="0" i="1">
+                                    <a:solidFill>
+                                      <a:schemeClr val="accent4">
+                                        <a:lumMod val="50000"/>
+                                      </a:schemeClr>
+                                    </a:solidFill>
+                                    <a:latin typeface="Cambria Math" panose="02040503050406030204" pitchFamily="18" charset="0"/>
+                                  </a:rPr>
+                                </m:ctrlPr>
+                              </m:sSubPr>
+                              <m:e>
+                                <m:r>
+                                  <a:rPr lang="en-US" sz="1600" b="0" i="1">
+                                    <a:solidFill>
+                                      <a:schemeClr val="accent4">
+                                        <a:lumMod val="50000"/>
+                                      </a:schemeClr>
+                                    </a:solidFill>
+                                    <a:latin typeface="Cambria Math" panose="02040503050406030204" pitchFamily="18" charset="0"/>
+                                  </a:rPr>
+                                  <m:t>𝑤</m:t>
+                                </m:r>
+                              </m:e>
+                              <m:sub>
+                                <m:r>
+                                  <a:rPr lang="en-US" sz="1600" b="0" i="1">
+                                    <a:solidFill>
+                                      <a:schemeClr val="accent4">
+                                        <a:lumMod val="50000"/>
+                                      </a:schemeClr>
+                                    </a:solidFill>
+                                    <a:latin typeface="Cambria Math" panose="02040503050406030204" pitchFamily="18" charset="0"/>
+                                  </a:rPr>
+                                  <m:t>1</m:t>
+                                </m:r>
+                              </m:sub>
+                            </m:sSub>
+                          </m:e>
+                          <m:e>
+                            <m:sSub>
+                              <m:sSubPr>
+                                <m:ctrlPr>
+                                  <a:rPr lang="en-US" sz="1600" b="0" i="1">
+                                    <a:solidFill>
+                                      <a:schemeClr val="accent4">
+                                        <a:lumMod val="50000"/>
+                                      </a:schemeClr>
+                                    </a:solidFill>
+                                    <a:latin typeface="Cambria Math" panose="02040503050406030204" pitchFamily="18" charset="0"/>
+                                  </a:rPr>
+                                </m:ctrlPr>
+                              </m:sSubPr>
+                              <m:e>
+                                <m:r>
+                                  <a:rPr lang="en-US" sz="1600" b="0" i="1">
+                                    <a:solidFill>
+                                      <a:schemeClr val="accent4">
+                                        <a:lumMod val="50000"/>
+                                      </a:schemeClr>
+                                    </a:solidFill>
+                                    <a:latin typeface="Cambria Math" panose="02040503050406030204" pitchFamily="18" charset="0"/>
+                                  </a:rPr>
+                                  <m:t>𝑤</m:t>
+                                </m:r>
+                              </m:e>
+                              <m:sub>
+                                <m:r>
+                                  <a:rPr lang="en-US" sz="1600" b="0" i="1">
+                                    <a:solidFill>
+                                      <a:schemeClr val="accent4">
+                                        <a:lumMod val="50000"/>
+                                      </a:schemeClr>
+                                    </a:solidFill>
+                                    <a:latin typeface="Cambria Math" panose="02040503050406030204" pitchFamily="18" charset="0"/>
+                                  </a:rPr>
+                                  <m:t>2</m:t>
+                                </m:r>
+                              </m:sub>
+                            </m:sSub>
+                          </m:e>
+                          <m:e>
+                            <m:sSub>
+                              <m:sSubPr>
+                                <m:ctrlPr>
+                                  <a:rPr lang="en-US" sz="1600" b="0" i="1">
+                                    <a:solidFill>
+                                      <a:schemeClr val="accent4">
+                                        <a:lumMod val="50000"/>
+                                      </a:schemeClr>
+                                    </a:solidFill>
+                                    <a:latin typeface="Cambria Math" panose="02040503050406030204" pitchFamily="18" charset="0"/>
+                                  </a:rPr>
+                                </m:ctrlPr>
+                              </m:sSubPr>
+                              <m:e>
+                                <m:r>
+                                  <a:rPr lang="en-US" sz="1600" b="0" i="1">
+                                    <a:solidFill>
+                                      <a:schemeClr val="accent4">
+                                        <a:lumMod val="50000"/>
+                                      </a:schemeClr>
+                                    </a:solidFill>
+                                    <a:latin typeface="Cambria Math" panose="02040503050406030204" pitchFamily="18" charset="0"/>
+                                  </a:rPr>
+                                  <m:t>𝑤</m:t>
+                                </m:r>
+                              </m:e>
+                              <m:sub>
+                                <m:r>
+                                  <a:rPr lang="en-US" sz="1600" b="0" i="1">
+                                    <a:solidFill>
+                                      <a:schemeClr val="accent4">
+                                        <a:lumMod val="50000"/>
+                                      </a:schemeClr>
+                                    </a:solidFill>
+                                    <a:latin typeface="Cambria Math" panose="02040503050406030204" pitchFamily="18" charset="0"/>
+                                  </a:rPr>
+                                  <m:t>3</m:t>
+                                </m:r>
+                              </m:sub>
+                            </m:sSub>
+                          </m:e>
+                        </m:mr>
+                      </m:m>
+                      <m:r>
+                        <a:rPr lang="en-US" sz="1600" b="0" i="1">
+                          <a:solidFill>
+                            <a:schemeClr val="accent4">
+                              <a:lumMod val="50000"/>
+                            </a:schemeClr>
+                          </a:solidFill>
+                          <a:latin typeface="Cambria Math" panose="02040503050406030204" pitchFamily="18" charset="0"/>
+                        </a:rPr>
+                        <m:t>]</m:t>
+                      </m:r>
+                      <m:d>
+                        <m:dPr>
+                          <m:begChr m:val="["/>
+                          <m:endChr m:val="]"/>
+                          <m:ctrlPr>
+                            <a:rPr lang="ru-RU" sz="1600" b="0" i="1">
+                              <a:solidFill>
+                                <a:schemeClr val="accent4">
+                                  <a:lumMod val="50000"/>
+                                </a:schemeClr>
+                              </a:solidFill>
+                              <a:latin typeface="Cambria Math" panose="02040503050406030204" pitchFamily="18" charset="0"/>
+                            </a:rPr>
+                          </m:ctrlPr>
+                        </m:dPr>
+                        <m:e>
+                          <m:m>
+                            <m:mPr>
+                              <m:mcs>
+                                <m:mc>
+                                  <m:mcPr>
+                                    <m:count m:val="3"/>
+                                    <m:mcJc m:val="center"/>
+                                  </m:mcPr>
+                                </m:mc>
+                              </m:mcs>
+                              <m:ctrlPr>
+                                <a:rPr lang="ru-RU" sz="1600" b="0" i="1">
+                                  <a:solidFill>
+                                    <a:schemeClr val="accent4">
+                                      <a:lumMod val="50000"/>
+                                    </a:schemeClr>
+                                  </a:solidFill>
+                                  <a:latin typeface="Cambria Math" panose="02040503050406030204" pitchFamily="18" charset="0"/>
+                                </a:rPr>
+                              </m:ctrlPr>
+                            </m:mPr>
+                            <m:mr>
+                              <m:e>
+                                <m:sSubSup>
+                                  <m:sSubSupPr>
+                                    <m:ctrlPr>
+                                      <a:rPr lang="ru-RU" sz="1600" b="0" i="1">
+                                        <a:solidFill>
+                                          <a:schemeClr val="accent4">
+                                            <a:lumMod val="50000"/>
+                                          </a:schemeClr>
+                                        </a:solidFill>
+                                        <a:latin typeface="Cambria Math" panose="02040503050406030204" pitchFamily="18" charset="0"/>
+                                      </a:rPr>
+                                    </m:ctrlPr>
+                                  </m:sSubSupPr>
+                                  <m:e>
+                                    <m:r>
+                                      <a:rPr lang="ru-RU" sz="1600" b="0" i="1">
+                                        <a:solidFill>
+                                          <a:schemeClr val="accent4">
+                                            <a:lumMod val="50000"/>
+                                          </a:schemeClr>
+                                        </a:solidFill>
+                                        <a:latin typeface="Cambria Math" panose="02040503050406030204" pitchFamily="18" charset="0"/>
+                                        <a:ea typeface="Cambria Math" panose="02040503050406030204" pitchFamily="18" charset="0"/>
+                                      </a:rPr>
+                                      <m:t>𝜎</m:t>
+                                    </m:r>
+                                  </m:e>
+                                  <m:sub>
+                                    <m:r>
+                                      <a:rPr lang="en-US" sz="1600" b="0" i="1">
+                                        <a:solidFill>
+                                          <a:schemeClr val="accent4">
+                                            <a:lumMod val="50000"/>
+                                          </a:schemeClr>
+                                        </a:solidFill>
+                                        <a:latin typeface="Cambria Math" panose="02040503050406030204" pitchFamily="18" charset="0"/>
+                                      </a:rPr>
+                                      <m:t>1</m:t>
+                                    </m:r>
+                                  </m:sub>
+                                  <m:sup>
+                                    <m:r>
+                                      <a:rPr lang="en-US" sz="1600" b="0" i="1">
+                                        <a:solidFill>
+                                          <a:schemeClr val="accent4">
+                                            <a:lumMod val="50000"/>
+                                          </a:schemeClr>
+                                        </a:solidFill>
+                                        <a:latin typeface="Cambria Math" panose="02040503050406030204" pitchFamily="18" charset="0"/>
+                                      </a:rPr>
+                                      <m:t>2</m:t>
+                                    </m:r>
+                                  </m:sup>
+                                </m:sSubSup>
+                              </m:e>
+                              <m:e>
+                                <m:sSub>
+                                  <m:sSubPr>
+                                    <m:ctrlPr>
+                                      <a:rPr lang="ru-RU" sz="1600" b="0" i="1">
+                                        <a:solidFill>
+                                          <a:schemeClr val="accent4">
+                                            <a:lumMod val="50000"/>
+                                          </a:schemeClr>
+                                        </a:solidFill>
+                                        <a:latin typeface="Cambria Math" panose="02040503050406030204" pitchFamily="18" charset="0"/>
+                                      </a:rPr>
+                                    </m:ctrlPr>
+                                  </m:sSubPr>
+                                  <m:e>
+                                    <m:r>
+                                      <a:rPr lang="ru-RU" sz="1600" b="0" i="1">
+                                        <a:solidFill>
+                                          <a:schemeClr val="accent4">
+                                            <a:lumMod val="50000"/>
+                                          </a:schemeClr>
+                                        </a:solidFill>
+                                        <a:latin typeface="Cambria Math" panose="02040503050406030204" pitchFamily="18" charset="0"/>
+                                        <a:ea typeface="Cambria Math" panose="02040503050406030204" pitchFamily="18" charset="0"/>
+                                      </a:rPr>
+                                      <m:t>𝜎</m:t>
+                                    </m:r>
+                                  </m:e>
+                                  <m:sub>
+                                    <m:r>
+                                      <a:rPr lang="en-US" sz="1600" b="0" i="1">
+                                        <a:solidFill>
+                                          <a:schemeClr val="accent4">
+                                            <a:lumMod val="50000"/>
+                                          </a:schemeClr>
+                                        </a:solidFill>
+                                        <a:latin typeface="Cambria Math" panose="02040503050406030204" pitchFamily="18" charset="0"/>
+                                      </a:rPr>
+                                      <m:t>1</m:t>
+                                    </m:r>
+                                  </m:sub>
+                                </m:sSub>
+                                <m:sSub>
+                                  <m:sSubPr>
+                                    <m:ctrlPr>
+                                      <a:rPr lang="ru-RU" sz="1600" b="0" i="1">
+                                        <a:solidFill>
+                                          <a:schemeClr val="accent4">
+                                            <a:lumMod val="50000"/>
+                                          </a:schemeClr>
+                                        </a:solidFill>
+                                        <a:latin typeface="Cambria Math" panose="02040503050406030204" pitchFamily="18" charset="0"/>
+                                      </a:rPr>
+                                    </m:ctrlPr>
+                                  </m:sSubPr>
+                                  <m:e>
+                                    <m:r>
+                                      <a:rPr lang="ru-RU" sz="1600" b="0" i="1">
+                                        <a:solidFill>
+                                          <a:schemeClr val="accent4">
+                                            <a:lumMod val="50000"/>
+                                          </a:schemeClr>
+                                        </a:solidFill>
+                                        <a:latin typeface="Cambria Math" panose="02040503050406030204" pitchFamily="18" charset="0"/>
+                                        <a:ea typeface="Cambria Math" panose="02040503050406030204" pitchFamily="18" charset="0"/>
+                                      </a:rPr>
+                                      <m:t>𝜎</m:t>
+                                    </m:r>
+                                  </m:e>
+                                  <m:sub>
+                                    <m:r>
+                                      <a:rPr lang="en-US" sz="1600" b="0" i="1">
+                                        <a:solidFill>
+                                          <a:schemeClr val="accent4">
+                                            <a:lumMod val="50000"/>
+                                          </a:schemeClr>
+                                        </a:solidFill>
+                                        <a:latin typeface="Cambria Math" panose="02040503050406030204" pitchFamily="18" charset="0"/>
+                                      </a:rPr>
+                                      <m:t>2</m:t>
+                                    </m:r>
+                                  </m:sub>
+                                </m:sSub>
+                                <m:sSub>
+                                  <m:sSubPr>
+                                    <m:ctrlPr>
+                                      <a:rPr lang="en-US" sz="1600" b="0" i="1">
+                                        <a:solidFill>
+                                          <a:schemeClr val="accent4">
+                                            <a:lumMod val="50000"/>
+                                          </a:schemeClr>
+                                        </a:solidFill>
+                                        <a:latin typeface="Cambria Math" panose="02040503050406030204" pitchFamily="18" charset="0"/>
+                                      </a:rPr>
+                                    </m:ctrlPr>
+                                  </m:sSubPr>
+                                  <m:e>
+                                    <m:r>
+                                      <a:rPr lang="en-US" sz="1600" b="0" i="1">
+                                        <a:solidFill>
+                                          <a:schemeClr val="accent4">
+                                            <a:lumMod val="50000"/>
+                                          </a:schemeClr>
+                                        </a:solidFill>
+                                        <a:latin typeface="Cambria Math" panose="02040503050406030204" pitchFamily="18" charset="0"/>
+                                      </a:rPr>
+                                      <m:t>𝐶𝑜𝑟𝑟</m:t>
+                                    </m:r>
+                                  </m:e>
+                                  <m:sub>
+                                    <m:r>
+                                      <a:rPr lang="en-US" sz="1600" b="0" i="1">
+                                        <a:solidFill>
+                                          <a:schemeClr val="accent4">
+                                            <a:lumMod val="50000"/>
+                                          </a:schemeClr>
+                                        </a:solidFill>
+                                        <a:latin typeface="Cambria Math" panose="02040503050406030204" pitchFamily="18" charset="0"/>
+                                      </a:rPr>
+                                      <m:t>1,2</m:t>
+                                    </m:r>
+                                  </m:sub>
+                                </m:sSub>
+                              </m:e>
+                              <m:e>
+                                <m:sSub>
+                                  <m:sSubPr>
+                                    <m:ctrlPr>
+                                      <a:rPr lang="ru-RU" sz="1600" b="0" i="1">
+                                        <a:solidFill>
+                                          <a:schemeClr val="accent4">
+                                            <a:lumMod val="50000"/>
+                                          </a:schemeClr>
+                                        </a:solidFill>
+                                        <a:latin typeface="Cambria Math" panose="02040503050406030204" pitchFamily="18" charset="0"/>
+                                      </a:rPr>
+                                    </m:ctrlPr>
+                                  </m:sSubPr>
+                                  <m:e>
+                                    <m:r>
+                                      <a:rPr lang="ru-RU" sz="1600" b="0" i="1">
+                                        <a:solidFill>
+                                          <a:schemeClr val="accent4">
+                                            <a:lumMod val="50000"/>
+                                          </a:schemeClr>
+                                        </a:solidFill>
+                                        <a:latin typeface="Cambria Math" panose="02040503050406030204" pitchFamily="18" charset="0"/>
+                                        <a:ea typeface="Cambria Math" panose="02040503050406030204" pitchFamily="18" charset="0"/>
+                                      </a:rPr>
+                                      <m:t>𝜎</m:t>
+                                    </m:r>
+                                  </m:e>
+                                  <m:sub>
+                                    <m:r>
+                                      <a:rPr lang="en-US" sz="1600" b="0" i="1">
+                                        <a:solidFill>
+                                          <a:schemeClr val="accent4">
+                                            <a:lumMod val="50000"/>
+                                          </a:schemeClr>
+                                        </a:solidFill>
+                                        <a:latin typeface="Cambria Math" panose="02040503050406030204" pitchFamily="18" charset="0"/>
+                                      </a:rPr>
+                                      <m:t>1</m:t>
+                                    </m:r>
+                                  </m:sub>
+                                </m:sSub>
+                                <m:sSub>
+                                  <m:sSubPr>
+                                    <m:ctrlPr>
+                                      <a:rPr lang="ru-RU" sz="1600" b="0" i="1">
+                                        <a:solidFill>
+                                          <a:schemeClr val="accent4">
+                                            <a:lumMod val="50000"/>
+                                          </a:schemeClr>
+                                        </a:solidFill>
+                                        <a:latin typeface="Cambria Math" panose="02040503050406030204" pitchFamily="18" charset="0"/>
+                                      </a:rPr>
+                                    </m:ctrlPr>
+                                  </m:sSubPr>
+                                  <m:e>
+                                    <m:r>
+                                      <a:rPr lang="ru-RU" sz="1600" b="0" i="1">
+                                        <a:solidFill>
+                                          <a:schemeClr val="accent4">
+                                            <a:lumMod val="50000"/>
+                                          </a:schemeClr>
+                                        </a:solidFill>
+                                        <a:latin typeface="Cambria Math" panose="02040503050406030204" pitchFamily="18" charset="0"/>
+                                        <a:ea typeface="Cambria Math" panose="02040503050406030204" pitchFamily="18" charset="0"/>
+                                      </a:rPr>
+                                      <m:t>𝜎</m:t>
+                                    </m:r>
+                                  </m:e>
+                                  <m:sub>
+                                    <m:r>
+                                      <a:rPr lang="en-US" sz="1600" b="0" i="1">
+                                        <a:solidFill>
+                                          <a:schemeClr val="accent4">
+                                            <a:lumMod val="50000"/>
+                                          </a:schemeClr>
+                                        </a:solidFill>
+                                        <a:latin typeface="Cambria Math" panose="02040503050406030204" pitchFamily="18" charset="0"/>
+                                      </a:rPr>
+                                      <m:t>3</m:t>
+                                    </m:r>
+                                  </m:sub>
+                                </m:sSub>
+                                <m:sSub>
+                                  <m:sSubPr>
+                                    <m:ctrlPr>
+                                      <a:rPr lang="en-US" sz="1600" b="0" i="1">
+                                        <a:solidFill>
+                                          <a:schemeClr val="accent4">
+                                            <a:lumMod val="50000"/>
+                                          </a:schemeClr>
+                                        </a:solidFill>
+                                        <a:latin typeface="Cambria Math" panose="02040503050406030204" pitchFamily="18" charset="0"/>
+                                      </a:rPr>
+                                    </m:ctrlPr>
+                                  </m:sSubPr>
+                                  <m:e>
+                                    <m:r>
+                                      <a:rPr lang="en-US" sz="1600" b="0" i="1">
+                                        <a:solidFill>
+                                          <a:schemeClr val="accent4">
+                                            <a:lumMod val="50000"/>
+                                          </a:schemeClr>
+                                        </a:solidFill>
+                                        <a:latin typeface="Cambria Math" panose="02040503050406030204" pitchFamily="18" charset="0"/>
+                                      </a:rPr>
+                                      <m:t>𝐶𝑜𝑟𝑟</m:t>
+                                    </m:r>
+                                  </m:e>
+                                  <m:sub>
+                                    <m:r>
+                                      <a:rPr lang="en-US" sz="1600" b="0" i="1">
+                                        <a:solidFill>
+                                          <a:schemeClr val="accent4">
+                                            <a:lumMod val="50000"/>
+                                          </a:schemeClr>
+                                        </a:solidFill>
+                                        <a:latin typeface="Cambria Math" panose="02040503050406030204" pitchFamily="18" charset="0"/>
+                                      </a:rPr>
+                                      <m:t>1,3</m:t>
+                                    </m:r>
+                                  </m:sub>
+                                </m:sSub>
+                              </m:e>
+                            </m:mr>
+                            <m:mr>
+                              <m:e>
+                                <m:sSub>
+                                  <m:sSubPr>
+                                    <m:ctrlPr>
+                                      <a:rPr lang="ru-RU" sz="1600" b="0" i="1">
+                                        <a:solidFill>
+                                          <a:schemeClr val="accent4">
+                                            <a:lumMod val="50000"/>
+                                          </a:schemeClr>
+                                        </a:solidFill>
+                                        <a:latin typeface="Cambria Math" panose="02040503050406030204" pitchFamily="18" charset="0"/>
+                                      </a:rPr>
+                                    </m:ctrlPr>
+                                  </m:sSubPr>
+                                  <m:e>
+                                    <m:r>
+                                      <a:rPr lang="ru-RU" sz="1600" b="0" i="1">
+                                        <a:solidFill>
+                                          <a:schemeClr val="accent4">
+                                            <a:lumMod val="50000"/>
+                                          </a:schemeClr>
+                                        </a:solidFill>
+                                        <a:latin typeface="Cambria Math" panose="02040503050406030204" pitchFamily="18" charset="0"/>
+                                        <a:ea typeface="Cambria Math" panose="02040503050406030204" pitchFamily="18" charset="0"/>
+                                      </a:rPr>
+                                      <m:t>𝜎</m:t>
+                                    </m:r>
+                                  </m:e>
+                                  <m:sub>
+                                    <m:r>
+                                      <a:rPr lang="en-US" sz="1600" b="0" i="1">
+                                        <a:solidFill>
+                                          <a:schemeClr val="accent4">
+                                            <a:lumMod val="50000"/>
+                                          </a:schemeClr>
+                                        </a:solidFill>
+                                        <a:latin typeface="Cambria Math" panose="02040503050406030204" pitchFamily="18" charset="0"/>
+                                      </a:rPr>
+                                      <m:t>2</m:t>
+                                    </m:r>
+                                  </m:sub>
+                                </m:sSub>
+                                <m:sSub>
+                                  <m:sSubPr>
+                                    <m:ctrlPr>
+                                      <a:rPr lang="ru-RU" sz="1600" b="0" i="1">
+                                        <a:solidFill>
+                                          <a:schemeClr val="accent4">
+                                            <a:lumMod val="50000"/>
+                                          </a:schemeClr>
+                                        </a:solidFill>
+                                        <a:latin typeface="Cambria Math" panose="02040503050406030204" pitchFamily="18" charset="0"/>
+                                      </a:rPr>
+                                    </m:ctrlPr>
+                                  </m:sSubPr>
+                                  <m:e>
+                                    <m:r>
+                                      <a:rPr lang="ru-RU" sz="1600" b="0" i="1">
+                                        <a:solidFill>
+                                          <a:schemeClr val="accent4">
+                                            <a:lumMod val="50000"/>
+                                          </a:schemeClr>
+                                        </a:solidFill>
+                                        <a:latin typeface="Cambria Math" panose="02040503050406030204" pitchFamily="18" charset="0"/>
+                                        <a:ea typeface="Cambria Math" panose="02040503050406030204" pitchFamily="18" charset="0"/>
+                                      </a:rPr>
+                                      <m:t>𝜎</m:t>
+                                    </m:r>
+                                  </m:e>
+                                  <m:sub>
+                                    <m:r>
+                                      <a:rPr lang="en-US" sz="1600" b="0" i="1">
+                                        <a:solidFill>
+                                          <a:schemeClr val="accent4">
+                                            <a:lumMod val="50000"/>
+                                          </a:schemeClr>
+                                        </a:solidFill>
+                                        <a:latin typeface="Cambria Math" panose="02040503050406030204" pitchFamily="18" charset="0"/>
+                                      </a:rPr>
+                                      <m:t>1</m:t>
+                                    </m:r>
+                                  </m:sub>
+                                </m:sSub>
+                                <m:sSub>
+                                  <m:sSubPr>
+                                    <m:ctrlPr>
+                                      <a:rPr lang="en-US" sz="1600" b="0" i="1">
+                                        <a:solidFill>
+                                          <a:schemeClr val="accent4">
+                                            <a:lumMod val="50000"/>
+                                          </a:schemeClr>
+                                        </a:solidFill>
+                                        <a:latin typeface="Cambria Math" panose="02040503050406030204" pitchFamily="18" charset="0"/>
+                                      </a:rPr>
+                                    </m:ctrlPr>
+                                  </m:sSubPr>
+                                  <m:e>
+                                    <m:r>
+                                      <a:rPr lang="en-US" sz="1600" b="0" i="1">
+                                        <a:solidFill>
+                                          <a:schemeClr val="accent4">
+                                            <a:lumMod val="50000"/>
+                                          </a:schemeClr>
+                                        </a:solidFill>
+                                        <a:latin typeface="Cambria Math" panose="02040503050406030204" pitchFamily="18" charset="0"/>
+                                      </a:rPr>
+                                      <m:t>𝐶𝑜𝑟𝑟</m:t>
+                                    </m:r>
+                                  </m:e>
+                                  <m:sub>
+                                    <m:r>
+                                      <a:rPr lang="en-US" sz="1600" b="0" i="1">
+                                        <a:solidFill>
+                                          <a:schemeClr val="accent4">
+                                            <a:lumMod val="50000"/>
+                                          </a:schemeClr>
+                                        </a:solidFill>
+                                        <a:latin typeface="Cambria Math" panose="02040503050406030204" pitchFamily="18" charset="0"/>
+                                      </a:rPr>
+                                      <m:t>2,1</m:t>
+                                    </m:r>
+                                  </m:sub>
+                                </m:sSub>
+                              </m:e>
+                              <m:e>
+                                <m:sSubSup>
+                                  <m:sSubSupPr>
+                                    <m:ctrlPr>
+                                      <a:rPr lang="ru-RU" sz="1600" b="0" i="1">
+                                        <a:solidFill>
+                                          <a:schemeClr val="accent4">
+                                            <a:lumMod val="50000"/>
+                                          </a:schemeClr>
+                                        </a:solidFill>
+                                        <a:latin typeface="Cambria Math" panose="02040503050406030204" pitchFamily="18" charset="0"/>
+                                      </a:rPr>
+                                    </m:ctrlPr>
+                                  </m:sSubSupPr>
+                                  <m:e>
+                                    <m:r>
+                                      <a:rPr lang="ru-RU" sz="1600" b="0" i="1">
+                                        <a:solidFill>
+                                          <a:schemeClr val="accent4">
+                                            <a:lumMod val="50000"/>
+                                          </a:schemeClr>
+                                        </a:solidFill>
+                                        <a:latin typeface="Cambria Math" panose="02040503050406030204" pitchFamily="18" charset="0"/>
+                                        <a:ea typeface="Cambria Math" panose="02040503050406030204" pitchFamily="18" charset="0"/>
+                                      </a:rPr>
+                                      <m:t>𝜎</m:t>
+                                    </m:r>
+                                  </m:e>
+                                  <m:sub>
+                                    <m:r>
+                                      <a:rPr lang="en-US" sz="1600" b="0" i="1">
+                                        <a:solidFill>
+                                          <a:schemeClr val="accent4">
+                                            <a:lumMod val="50000"/>
+                                          </a:schemeClr>
+                                        </a:solidFill>
+                                        <a:latin typeface="Cambria Math" panose="02040503050406030204" pitchFamily="18" charset="0"/>
+                                      </a:rPr>
+                                      <m:t>2</m:t>
+                                    </m:r>
+                                  </m:sub>
+                                  <m:sup>
+                                    <m:r>
+                                      <a:rPr lang="en-US" sz="1600" b="0" i="1">
+                                        <a:solidFill>
+                                          <a:schemeClr val="accent4">
+                                            <a:lumMod val="50000"/>
+                                          </a:schemeClr>
+                                        </a:solidFill>
+                                        <a:latin typeface="Cambria Math" panose="02040503050406030204" pitchFamily="18" charset="0"/>
+                                      </a:rPr>
+                                      <m:t>2</m:t>
+                                    </m:r>
+                                  </m:sup>
+                                </m:sSubSup>
+                              </m:e>
+                              <m:e>
+                                <m:sSub>
+                                  <m:sSubPr>
+                                    <m:ctrlPr>
+                                      <a:rPr lang="ru-RU" sz="1600" b="0" i="1">
+                                        <a:solidFill>
+                                          <a:schemeClr val="accent4">
+                                            <a:lumMod val="50000"/>
+                                          </a:schemeClr>
+                                        </a:solidFill>
+                                        <a:latin typeface="Cambria Math" panose="02040503050406030204" pitchFamily="18" charset="0"/>
+                                      </a:rPr>
+                                    </m:ctrlPr>
+                                  </m:sSubPr>
+                                  <m:e>
+                                    <m:r>
+                                      <a:rPr lang="ru-RU" sz="1600" b="0" i="1">
+                                        <a:solidFill>
+                                          <a:schemeClr val="accent4">
+                                            <a:lumMod val="50000"/>
+                                          </a:schemeClr>
+                                        </a:solidFill>
+                                        <a:latin typeface="Cambria Math" panose="02040503050406030204" pitchFamily="18" charset="0"/>
+                                        <a:ea typeface="Cambria Math" panose="02040503050406030204" pitchFamily="18" charset="0"/>
+                                      </a:rPr>
+                                      <m:t>𝜎</m:t>
+                                    </m:r>
+                                  </m:e>
+                                  <m:sub>
+                                    <m:r>
+                                      <a:rPr lang="en-US" sz="1600" b="0" i="1">
+                                        <a:solidFill>
+                                          <a:schemeClr val="accent4">
+                                            <a:lumMod val="50000"/>
+                                          </a:schemeClr>
+                                        </a:solidFill>
+                                        <a:latin typeface="Cambria Math" panose="02040503050406030204" pitchFamily="18" charset="0"/>
+                                      </a:rPr>
+                                      <m:t>2</m:t>
+                                    </m:r>
+                                  </m:sub>
+                                </m:sSub>
+                                <m:sSub>
+                                  <m:sSubPr>
+                                    <m:ctrlPr>
+                                      <a:rPr lang="ru-RU" sz="1600" b="0" i="1">
+                                        <a:solidFill>
+                                          <a:schemeClr val="accent4">
+                                            <a:lumMod val="50000"/>
+                                          </a:schemeClr>
+                                        </a:solidFill>
+                                        <a:latin typeface="Cambria Math" panose="02040503050406030204" pitchFamily="18" charset="0"/>
+                                      </a:rPr>
+                                    </m:ctrlPr>
+                                  </m:sSubPr>
+                                  <m:e>
+                                    <m:r>
+                                      <a:rPr lang="ru-RU" sz="1600" b="0" i="1">
+                                        <a:solidFill>
+                                          <a:schemeClr val="accent4">
+                                            <a:lumMod val="50000"/>
+                                          </a:schemeClr>
+                                        </a:solidFill>
+                                        <a:latin typeface="Cambria Math" panose="02040503050406030204" pitchFamily="18" charset="0"/>
+                                        <a:ea typeface="Cambria Math" panose="02040503050406030204" pitchFamily="18" charset="0"/>
+                                      </a:rPr>
+                                      <m:t>𝜎</m:t>
+                                    </m:r>
+                                  </m:e>
+                                  <m:sub>
+                                    <m:r>
+                                      <a:rPr lang="en-US" sz="1600" b="0" i="1">
+                                        <a:solidFill>
+                                          <a:schemeClr val="accent4">
+                                            <a:lumMod val="50000"/>
+                                          </a:schemeClr>
+                                        </a:solidFill>
+                                        <a:latin typeface="Cambria Math" panose="02040503050406030204" pitchFamily="18" charset="0"/>
+                                      </a:rPr>
+                                      <m:t>3</m:t>
+                                    </m:r>
+                                  </m:sub>
+                                </m:sSub>
+                                <m:sSub>
+                                  <m:sSubPr>
+                                    <m:ctrlPr>
+                                      <a:rPr lang="en-US" sz="1600" b="0" i="1">
+                                        <a:solidFill>
+                                          <a:schemeClr val="accent4">
+                                            <a:lumMod val="50000"/>
+                                          </a:schemeClr>
+                                        </a:solidFill>
+                                        <a:latin typeface="Cambria Math" panose="02040503050406030204" pitchFamily="18" charset="0"/>
+                                      </a:rPr>
+                                    </m:ctrlPr>
+                                  </m:sSubPr>
+                                  <m:e>
+                                    <m:r>
+                                      <a:rPr lang="en-US" sz="1600" b="0" i="1">
+                                        <a:solidFill>
+                                          <a:schemeClr val="accent4">
+                                            <a:lumMod val="50000"/>
+                                          </a:schemeClr>
+                                        </a:solidFill>
+                                        <a:latin typeface="Cambria Math" panose="02040503050406030204" pitchFamily="18" charset="0"/>
+                                      </a:rPr>
+                                      <m:t>𝐶𝑜𝑟𝑟</m:t>
+                                    </m:r>
+                                  </m:e>
+                                  <m:sub>
+                                    <m:r>
+                                      <a:rPr lang="en-US" sz="1600" b="0" i="1">
+                                        <a:solidFill>
+                                          <a:schemeClr val="accent4">
+                                            <a:lumMod val="50000"/>
+                                          </a:schemeClr>
+                                        </a:solidFill>
+                                        <a:latin typeface="Cambria Math" panose="02040503050406030204" pitchFamily="18" charset="0"/>
+                                      </a:rPr>
+                                      <m:t>2,3</m:t>
+                                    </m:r>
+                                  </m:sub>
+                                </m:sSub>
+                              </m:e>
+                            </m:mr>
+                            <m:mr>
+                              <m:e>
+                                <m:sSub>
+                                  <m:sSubPr>
+                                    <m:ctrlPr>
+                                      <a:rPr lang="ru-RU" sz="1600" b="0" i="1">
+                                        <a:solidFill>
+                                          <a:schemeClr val="accent4">
+                                            <a:lumMod val="50000"/>
+                                          </a:schemeClr>
+                                        </a:solidFill>
+                                        <a:latin typeface="Cambria Math" panose="02040503050406030204" pitchFamily="18" charset="0"/>
+                                      </a:rPr>
+                                    </m:ctrlPr>
+                                  </m:sSubPr>
+                                  <m:e>
+                                    <m:r>
+                                      <a:rPr lang="ru-RU" sz="1600" b="0" i="1">
+                                        <a:solidFill>
+                                          <a:schemeClr val="accent4">
+                                            <a:lumMod val="50000"/>
+                                          </a:schemeClr>
+                                        </a:solidFill>
+                                        <a:latin typeface="Cambria Math" panose="02040503050406030204" pitchFamily="18" charset="0"/>
+                                        <a:ea typeface="Cambria Math" panose="02040503050406030204" pitchFamily="18" charset="0"/>
+                                      </a:rPr>
+                                      <m:t>𝜎</m:t>
+                                    </m:r>
+                                  </m:e>
+                                  <m:sub>
+                                    <m:r>
+                                      <a:rPr lang="en-US" sz="1600" b="0" i="1">
+                                        <a:solidFill>
+                                          <a:schemeClr val="accent4">
+                                            <a:lumMod val="50000"/>
+                                          </a:schemeClr>
+                                        </a:solidFill>
+                                        <a:latin typeface="Cambria Math" panose="02040503050406030204" pitchFamily="18" charset="0"/>
+                                      </a:rPr>
+                                      <m:t>3</m:t>
+                                    </m:r>
+                                  </m:sub>
+                                </m:sSub>
+                                <m:sSub>
+                                  <m:sSubPr>
+                                    <m:ctrlPr>
+                                      <a:rPr lang="ru-RU" sz="1600" b="0" i="1">
+                                        <a:solidFill>
+                                          <a:schemeClr val="accent4">
+                                            <a:lumMod val="50000"/>
+                                          </a:schemeClr>
+                                        </a:solidFill>
+                                        <a:latin typeface="Cambria Math" panose="02040503050406030204" pitchFamily="18" charset="0"/>
+                                      </a:rPr>
+                                    </m:ctrlPr>
+                                  </m:sSubPr>
+                                  <m:e>
+                                    <m:r>
+                                      <a:rPr lang="ru-RU" sz="1600" b="0" i="1">
+                                        <a:solidFill>
+                                          <a:schemeClr val="accent4">
+                                            <a:lumMod val="50000"/>
+                                          </a:schemeClr>
+                                        </a:solidFill>
+                                        <a:latin typeface="Cambria Math" panose="02040503050406030204" pitchFamily="18" charset="0"/>
+                                        <a:ea typeface="Cambria Math" panose="02040503050406030204" pitchFamily="18" charset="0"/>
+                                      </a:rPr>
+                                      <m:t>𝜎</m:t>
+                                    </m:r>
+                                  </m:e>
+                                  <m:sub>
+                                    <m:r>
+                                      <a:rPr lang="en-US" sz="1600" b="0" i="1">
+                                        <a:solidFill>
+                                          <a:schemeClr val="accent4">
+                                            <a:lumMod val="50000"/>
+                                          </a:schemeClr>
+                                        </a:solidFill>
+                                        <a:latin typeface="Cambria Math" panose="02040503050406030204" pitchFamily="18" charset="0"/>
+                                      </a:rPr>
+                                      <m:t>1</m:t>
+                                    </m:r>
+                                  </m:sub>
+                                </m:sSub>
+                                <m:sSub>
+                                  <m:sSubPr>
+                                    <m:ctrlPr>
+                                      <a:rPr lang="en-US" sz="1600" b="0" i="1">
+                                        <a:solidFill>
+                                          <a:schemeClr val="accent4">
+                                            <a:lumMod val="50000"/>
+                                          </a:schemeClr>
+                                        </a:solidFill>
+                                        <a:latin typeface="Cambria Math" panose="02040503050406030204" pitchFamily="18" charset="0"/>
+                                      </a:rPr>
+                                    </m:ctrlPr>
+                                  </m:sSubPr>
+                                  <m:e>
+                                    <m:r>
+                                      <a:rPr lang="en-US" sz="1600" b="0" i="1">
+                                        <a:solidFill>
+                                          <a:schemeClr val="accent4">
+                                            <a:lumMod val="50000"/>
+                                          </a:schemeClr>
+                                        </a:solidFill>
+                                        <a:latin typeface="Cambria Math" panose="02040503050406030204" pitchFamily="18" charset="0"/>
+                                      </a:rPr>
+                                      <m:t>𝐶𝑜𝑟𝑟</m:t>
+                                    </m:r>
+                                  </m:e>
+                                  <m:sub>
+                                    <m:r>
+                                      <a:rPr lang="en-US" sz="1600" b="0" i="1">
+                                        <a:solidFill>
+                                          <a:schemeClr val="accent4">
+                                            <a:lumMod val="50000"/>
+                                          </a:schemeClr>
+                                        </a:solidFill>
+                                        <a:latin typeface="Cambria Math" panose="02040503050406030204" pitchFamily="18" charset="0"/>
+                                      </a:rPr>
+                                      <m:t>3,1</m:t>
+                                    </m:r>
+                                  </m:sub>
+                                </m:sSub>
+                              </m:e>
+                              <m:e>
+                                <m:sSub>
+                                  <m:sSubPr>
+                                    <m:ctrlPr>
+                                      <a:rPr lang="ru-RU" sz="1600" b="0" i="1">
+                                        <a:solidFill>
+                                          <a:schemeClr val="accent4">
+                                            <a:lumMod val="50000"/>
+                                          </a:schemeClr>
+                                        </a:solidFill>
+                                        <a:latin typeface="Cambria Math" panose="02040503050406030204" pitchFamily="18" charset="0"/>
+                                      </a:rPr>
+                                    </m:ctrlPr>
+                                  </m:sSubPr>
+                                  <m:e>
+                                    <m:r>
+                                      <a:rPr lang="ru-RU" sz="1600" b="0" i="1">
+                                        <a:solidFill>
+                                          <a:schemeClr val="accent4">
+                                            <a:lumMod val="50000"/>
+                                          </a:schemeClr>
+                                        </a:solidFill>
+                                        <a:latin typeface="Cambria Math" panose="02040503050406030204" pitchFamily="18" charset="0"/>
+                                        <a:ea typeface="Cambria Math" panose="02040503050406030204" pitchFamily="18" charset="0"/>
+                                      </a:rPr>
+                                      <m:t>𝜎</m:t>
+                                    </m:r>
+                                  </m:e>
+                                  <m:sub>
+                                    <m:r>
+                                      <a:rPr lang="en-US" sz="1600" b="0" i="1">
+                                        <a:solidFill>
+                                          <a:schemeClr val="accent4">
+                                            <a:lumMod val="50000"/>
+                                          </a:schemeClr>
+                                        </a:solidFill>
+                                        <a:latin typeface="Cambria Math" panose="02040503050406030204" pitchFamily="18" charset="0"/>
+                                      </a:rPr>
+                                      <m:t>3</m:t>
+                                    </m:r>
+                                  </m:sub>
+                                </m:sSub>
+                                <m:sSub>
+                                  <m:sSubPr>
+                                    <m:ctrlPr>
+                                      <a:rPr lang="ru-RU" sz="1600" b="0" i="1">
+                                        <a:solidFill>
+                                          <a:schemeClr val="accent4">
+                                            <a:lumMod val="50000"/>
+                                          </a:schemeClr>
+                                        </a:solidFill>
+                                        <a:latin typeface="Cambria Math" panose="02040503050406030204" pitchFamily="18" charset="0"/>
+                                      </a:rPr>
+                                    </m:ctrlPr>
+                                  </m:sSubPr>
+                                  <m:e>
+                                    <m:r>
+                                      <a:rPr lang="ru-RU" sz="1600" b="0" i="1">
+                                        <a:solidFill>
+                                          <a:schemeClr val="accent4">
+                                            <a:lumMod val="50000"/>
+                                          </a:schemeClr>
+                                        </a:solidFill>
+                                        <a:latin typeface="Cambria Math" panose="02040503050406030204" pitchFamily="18" charset="0"/>
+                                        <a:ea typeface="Cambria Math" panose="02040503050406030204" pitchFamily="18" charset="0"/>
+                                      </a:rPr>
+                                      <m:t>𝜎</m:t>
+                                    </m:r>
+                                  </m:e>
+                                  <m:sub>
+                                    <m:r>
+                                      <a:rPr lang="en-US" sz="1600" b="0" i="1">
+                                        <a:solidFill>
+                                          <a:schemeClr val="accent4">
+                                            <a:lumMod val="50000"/>
+                                          </a:schemeClr>
+                                        </a:solidFill>
+                                        <a:latin typeface="Cambria Math" panose="02040503050406030204" pitchFamily="18" charset="0"/>
+                                      </a:rPr>
+                                      <m:t>2</m:t>
+                                    </m:r>
+                                  </m:sub>
+                                </m:sSub>
+                                <m:sSub>
+                                  <m:sSubPr>
+                                    <m:ctrlPr>
+                                      <a:rPr lang="en-US" sz="1600" b="0" i="1">
+                                        <a:solidFill>
+                                          <a:schemeClr val="accent4">
+                                            <a:lumMod val="50000"/>
+                                          </a:schemeClr>
+                                        </a:solidFill>
+                                        <a:latin typeface="Cambria Math" panose="02040503050406030204" pitchFamily="18" charset="0"/>
+                                      </a:rPr>
+                                    </m:ctrlPr>
+                                  </m:sSubPr>
+                                  <m:e>
+                                    <m:r>
+                                      <a:rPr lang="en-US" sz="1600" b="0" i="1">
+                                        <a:solidFill>
+                                          <a:schemeClr val="accent4">
+                                            <a:lumMod val="50000"/>
+                                          </a:schemeClr>
+                                        </a:solidFill>
+                                        <a:latin typeface="Cambria Math" panose="02040503050406030204" pitchFamily="18" charset="0"/>
+                                      </a:rPr>
+                                      <m:t>𝐶𝑜𝑟𝑟</m:t>
+                                    </m:r>
+                                  </m:e>
+                                  <m:sub>
+                                    <m:r>
+                                      <a:rPr lang="en-US" sz="1600" b="0" i="1">
+                                        <a:solidFill>
+                                          <a:schemeClr val="accent4">
+                                            <a:lumMod val="50000"/>
+                                          </a:schemeClr>
+                                        </a:solidFill>
+                                        <a:latin typeface="Cambria Math" panose="02040503050406030204" pitchFamily="18" charset="0"/>
+                                      </a:rPr>
+                                      <m:t>3,2</m:t>
+                                    </m:r>
+                                  </m:sub>
+                                </m:sSub>
+                              </m:e>
+                              <m:e>
+                                <m:sSubSup>
+                                  <m:sSubSupPr>
+                                    <m:ctrlPr>
+                                      <a:rPr lang="ru-RU" sz="1600" b="0" i="1">
+                                        <a:solidFill>
+                                          <a:schemeClr val="accent4">
+                                            <a:lumMod val="50000"/>
+                                          </a:schemeClr>
+                                        </a:solidFill>
+                                        <a:latin typeface="Cambria Math" panose="02040503050406030204" pitchFamily="18" charset="0"/>
+                                      </a:rPr>
+                                    </m:ctrlPr>
+                                  </m:sSubSupPr>
+                                  <m:e>
+                                    <m:r>
+                                      <a:rPr lang="ru-RU" sz="1600" b="0" i="1">
+                                        <a:solidFill>
+                                          <a:schemeClr val="accent4">
+                                            <a:lumMod val="50000"/>
+                                          </a:schemeClr>
+                                        </a:solidFill>
+                                        <a:latin typeface="Cambria Math" panose="02040503050406030204" pitchFamily="18" charset="0"/>
+                                        <a:ea typeface="Cambria Math" panose="02040503050406030204" pitchFamily="18" charset="0"/>
+                                      </a:rPr>
+                                      <m:t>𝜎</m:t>
+                                    </m:r>
+                                  </m:e>
+                                  <m:sub>
+                                    <m:r>
+                                      <a:rPr lang="en-US" sz="1600" b="0" i="1">
+                                        <a:solidFill>
+                                          <a:schemeClr val="accent4">
+                                            <a:lumMod val="50000"/>
+                                          </a:schemeClr>
+                                        </a:solidFill>
+                                        <a:latin typeface="Cambria Math" panose="02040503050406030204" pitchFamily="18" charset="0"/>
+                                      </a:rPr>
+                                      <m:t>3</m:t>
+                                    </m:r>
+                                  </m:sub>
+                                  <m:sup>
+                                    <m:r>
+                                      <a:rPr lang="en-US" sz="1600" b="0" i="1">
+                                        <a:solidFill>
+                                          <a:schemeClr val="accent4">
+                                            <a:lumMod val="50000"/>
+                                          </a:schemeClr>
+                                        </a:solidFill>
+                                        <a:latin typeface="Cambria Math" panose="02040503050406030204" pitchFamily="18" charset="0"/>
+                                      </a:rPr>
+                                      <m:t>2</m:t>
+                                    </m:r>
+                                  </m:sup>
+                                </m:sSubSup>
+                              </m:e>
+                            </m:mr>
+                          </m:m>
+                        </m:e>
+                      </m:d>
+                      <m:d>
+                        <m:dPr>
+                          <m:begChr m:val="["/>
+                          <m:endChr m:val="]"/>
+                          <m:ctrlPr>
+                            <a:rPr lang="ru-RU" sz="1600" b="0" i="1">
+                              <a:solidFill>
+                                <a:schemeClr val="accent4">
+                                  <a:lumMod val="50000"/>
+                                </a:schemeClr>
+                              </a:solidFill>
+                              <a:latin typeface="Cambria Math" panose="02040503050406030204" pitchFamily="18" charset="0"/>
+                            </a:rPr>
+                          </m:ctrlPr>
+                        </m:dPr>
+                        <m:e>
+                          <m:eqArr>
+                            <m:eqArrPr>
+                              <m:ctrlPr>
+                                <a:rPr lang="ru-RU" sz="1600" b="0" i="1">
+                                  <a:solidFill>
+                                    <a:schemeClr val="accent4">
+                                      <a:lumMod val="50000"/>
+                                    </a:schemeClr>
+                                  </a:solidFill>
+                                  <a:latin typeface="Cambria Math" panose="02040503050406030204" pitchFamily="18" charset="0"/>
+                                </a:rPr>
+                              </m:ctrlPr>
+                            </m:eqArrPr>
+                            <m:e>
+                              <m:eqArr>
+                                <m:eqArrPr>
+                                  <m:ctrlPr>
+                                    <a:rPr lang="ru-RU" sz="1600" b="0" i="1">
+                                      <a:solidFill>
+                                        <a:schemeClr val="accent4">
+                                          <a:lumMod val="50000"/>
+                                        </a:schemeClr>
+                                      </a:solidFill>
+                                      <a:latin typeface="Cambria Math" panose="02040503050406030204" pitchFamily="18" charset="0"/>
+                                    </a:rPr>
+                                  </m:ctrlPr>
+                                </m:eqArrPr>
+                                <m:e>
+                                  <m:sSub>
+                                    <m:sSubPr>
+                                      <m:ctrlPr>
+                                        <a:rPr lang="ru-RU" sz="1600" b="0" i="1">
+                                          <a:solidFill>
+                                            <a:schemeClr val="accent4">
+                                              <a:lumMod val="50000"/>
+                                            </a:schemeClr>
+                                          </a:solidFill>
+                                          <a:latin typeface="Cambria Math" panose="02040503050406030204" pitchFamily="18" charset="0"/>
+                                        </a:rPr>
+                                      </m:ctrlPr>
+                                    </m:sSubPr>
+                                    <m:e>
+                                      <m:r>
+                                        <a:rPr lang="en-US" sz="1600" b="0" i="1">
+                                          <a:solidFill>
+                                            <a:schemeClr val="accent4">
+                                              <a:lumMod val="50000"/>
+                                            </a:schemeClr>
+                                          </a:solidFill>
+                                          <a:latin typeface="Cambria Math" panose="02040503050406030204" pitchFamily="18" charset="0"/>
+                                        </a:rPr>
+                                        <m:t>𝑤</m:t>
+                                      </m:r>
+                                    </m:e>
+                                    <m:sub>
+                                      <m:r>
+                                        <a:rPr lang="en-US" sz="1600" b="0" i="1">
+                                          <a:solidFill>
+                                            <a:schemeClr val="accent4">
+                                              <a:lumMod val="50000"/>
+                                            </a:schemeClr>
+                                          </a:solidFill>
+                                          <a:latin typeface="Cambria Math" panose="02040503050406030204" pitchFamily="18" charset="0"/>
+                                        </a:rPr>
+                                        <m:t>1</m:t>
+                                      </m:r>
+                                    </m:sub>
+                                  </m:sSub>
+                                </m:e>
+                                <m:e>
+                                  <m:sSub>
+                                    <m:sSubPr>
+                                      <m:ctrlPr>
+                                        <a:rPr lang="ru-RU" sz="1600" i="1">
+                                          <a:solidFill>
+                                            <a:schemeClr val="accent4">
+                                              <a:lumMod val="50000"/>
+                                            </a:schemeClr>
+                                          </a:solidFill>
+                                          <a:latin typeface="Cambria Math" panose="02040503050406030204" pitchFamily="18" charset="0"/>
+                                        </a:rPr>
+                                      </m:ctrlPr>
+                                    </m:sSubPr>
+                                    <m:e>
+                                      <m:r>
+                                        <a:rPr lang="en-US" sz="1600" b="0" i="1">
+                                          <a:solidFill>
+                                            <a:schemeClr val="accent4">
+                                              <a:lumMod val="50000"/>
+                                            </a:schemeClr>
+                                          </a:solidFill>
+                                          <a:latin typeface="Cambria Math" panose="02040503050406030204" pitchFamily="18" charset="0"/>
+                                        </a:rPr>
+                                        <m:t>𝑤</m:t>
+                                      </m:r>
+                                    </m:e>
+                                    <m:sub>
+                                      <m:r>
+                                        <a:rPr lang="en-US" sz="1600" b="0" i="1">
+                                          <a:solidFill>
+                                            <a:schemeClr val="accent4">
+                                              <a:lumMod val="50000"/>
+                                            </a:schemeClr>
+                                          </a:solidFill>
+                                          <a:latin typeface="Cambria Math" panose="02040503050406030204" pitchFamily="18" charset="0"/>
+                                        </a:rPr>
+                                        <m:t>2</m:t>
+                                      </m:r>
+                                    </m:sub>
+                                  </m:sSub>
+                                </m:e>
+                              </m:eqArr>
+                            </m:e>
+                            <m:e>
+                              <m:sSub>
+                                <m:sSubPr>
+                                  <m:ctrlPr>
+                                    <a:rPr lang="ru-RU" sz="1600" i="1">
+                                      <a:solidFill>
+                                        <a:schemeClr val="accent4">
+                                          <a:lumMod val="50000"/>
+                                        </a:schemeClr>
+                                      </a:solidFill>
+                                      <a:latin typeface="Cambria Math" panose="02040503050406030204" pitchFamily="18" charset="0"/>
+                                    </a:rPr>
+                                  </m:ctrlPr>
+                                </m:sSubPr>
+                                <m:e>
+                                  <m:r>
+                                    <a:rPr lang="en-US" sz="1600" b="0" i="1">
+                                      <a:solidFill>
+                                        <a:schemeClr val="accent4">
+                                          <a:lumMod val="50000"/>
+                                        </a:schemeClr>
+                                      </a:solidFill>
+                                      <a:latin typeface="Cambria Math" panose="02040503050406030204" pitchFamily="18" charset="0"/>
+                                    </a:rPr>
+                                    <m:t>𝑤</m:t>
+                                  </m:r>
+                                </m:e>
+                                <m:sub>
+                                  <m:r>
+                                    <a:rPr lang="en-US" sz="1600" b="0" i="1">
+                                      <a:solidFill>
+                                        <a:schemeClr val="accent4">
+                                          <a:lumMod val="50000"/>
+                                        </a:schemeClr>
+                                      </a:solidFill>
+                                      <a:latin typeface="Cambria Math" panose="02040503050406030204" pitchFamily="18" charset="0"/>
+                                    </a:rPr>
+                                    <m:t>3</m:t>
+                                  </m:r>
+                                </m:sub>
+                              </m:sSub>
+                            </m:e>
+                          </m:eqArr>
+                        </m:e>
+                      </m:d>
+                    </m:oMath>
+                  </m:oMathPara>
+                </a14:m>
+                <a:endParaRPr lang="en-US" sz="1600" b="0">
+                  <a:solidFill>
+                    <a:schemeClr val="accent4">
+                      <a:lumMod val="50000"/>
+                    </a:schemeClr>
+                  </a:solidFill>
+                </a:endParaRPr>
+              </a:p>
+            </p:txBody>
+          </p:sp>
+        </mc:Choice>
+        <mc:Fallback>
+          <p:sp>
+            <p:nvSpPr>
+              <p:cNvPr id="19" name="TextBox 2">
+                <a:extLst>
+                  <a:ext uri="{FF2B5EF4-FFF2-40B4-BE49-F238E27FC236}">
+                    <a16:creationId xmlns:a16="http://schemas.microsoft.com/office/drawing/2014/main" id="{333D6808-7C44-40AD-8B4D-F6CD55F596B1}"/>
+                  </a:ext>
+                </a:extLst>
+              </p:cNvPr>
+              <p:cNvSpPr txBox="1">
+                <a:spLocks noRot="1" noChangeAspect="1" noMove="1" noResize="1" noEditPoints="1" noAdjustHandles="1" noChangeArrowheads="1" noChangeShapeType="1" noTextEdit="1"/>
+              </p:cNvSpPr>
+              <p:nvPr/>
+            </p:nvSpPr>
+            <p:spPr>
+              <a:xfrm>
+                <a:off x="1501258" y="3806124"/>
+                <a:ext cx="6357508" cy="1200150"/>
+              </a:xfrm>
+              <a:prstGeom prst="rect">
+                <a:avLst/>
+              </a:prstGeom>
+              <a:blipFill>
+                <a:blip r:embed="rId4"/>
+                <a:stretch>
+                  <a:fillRect/>
+                </a:stretch>
+              </a:blipFill>
+              <a:ln>
+                <a:solidFill>
+                  <a:schemeClr val="accent4">
+                    <a:lumMod val="50000"/>
+                  </a:schemeClr>
+                </a:solidFill>
+              </a:ln>
+            </p:spPr>
+            <p:txBody>
+              <a:bodyPr/>
+              <a:lstStyle/>
+              <a:p>
+                <a:r>
+                  <a:rPr lang="ru-RU">
+                    <a:noFill/>
+                  </a:rPr>
+                  <a:t> </a:t>
+                </a:r>
+              </a:p>
+            </p:txBody>
+          </p:sp>
+        </mc:Fallback>
+      </mc:AlternateContent>
     </p:spTree>
     <p:extLst>
       <p:ext uri="{BB962C8B-B14F-4D97-AF65-F5344CB8AC3E}">
-        <p14:creationId xmlns:p14="http://schemas.microsoft.com/office/powerpoint/2010/main" val="2153221098"/>
+        <p14:creationId xmlns:p14="http://schemas.microsoft.com/office/powerpoint/2010/main" val="561568848"/>
       </p:ext>
     </p:extLst>
   </p:cSld>
@@ -19916,6 +22713,308 @@
                 <a:defRPr/>
               </a:pPr>
               <a:t>23</a:t>
+            </a:fld>
+            <a:endParaRPr lang="ru-RU" altLang="ru-RU"/>
+          </a:p>
+        </p:txBody>
+      </p:sp>
+      <p:sp>
+        <p:nvSpPr>
+          <p:cNvPr id="6" name="TextBox 5">
+            <a:extLst>
+              <a:ext uri="{FF2B5EF4-FFF2-40B4-BE49-F238E27FC236}">
+                <a16:creationId xmlns:a16="http://schemas.microsoft.com/office/drawing/2014/main" id="{E1488A52-B84B-4D81-A038-D3DE1664977C}"/>
+              </a:ext>
+            </a:extLst>
+          </p:cNvPr>
+          <p:cNvSpPr txBox="1"/>
+          <p:nvPr/>
+        </p:nvSpPr>
+        <p:spPr>
+          <a:xfrm>
+            <a:off x="611560" y="248903"/>
+            <a:ext cx="7704856" cy="400110"/>
+          </a:xfrm>
+          <a:prstGeom prst="rect">
+            <a:avLst/>
+          </a:prstGeom>
+          <a:noFill/>
+        </p:spPr>
+        <p:txBody>
+          <a:bodyPr wrap="square">
+            <a:spAutoFit/>
+          </a:bodyPr>
+          <a:lstStyle/>
+          <a:p>
+            <a:r>
+              <a:rPr lang="ru-RU" sz="2000" dirty="0">
+                <a:ln w="0"/>
+                <a:effectLst>
+                  <a:outerShdw blurRad="38100" dist="19050" dir="2700000" algn="tl" rotWithShape="0">
+                    <a:schemeClr val="dk1">
+                      <a:alpha val="40000"/>
+                    </a:schemeClr>
+                  </a:outerShdw>
+                </a:effectLst>
+                <a:latin typeface="Calibri Light" panose="020F0302020204030204" pitchFamily="34" charset="0"/>
+                <a:ea typeface="Calibri" panose="020F0502020204030204" pitchFamily="34" charset="0"/>
+                <a:cs typeface="Times New Roman" panose="02020603050405020304" pitchFamily="18" charset="0"/>
+              </a:rPr>
+              <a:t>Инвестиционный портфель Г. Марковица</a:t>
+            </a:r>
+            <a:endParaRPr lang="ru-RU" sz="2000" dirty="0">
+              <a:ln w="0"/>
+              <a:effectLst>
+                <a:outerShdw blurRad="38100" dist="19050" dir="2700000" algn="tl" rotWithShape="0">
+                  <a:schemeClr val="dk1">
+                    <a:alpha val="40000"/>
+                  </a:schemeClr>
+                </a:outerShdw>
+              </a:effectLst>
+            </a:endParaRPr>
+          </a:p>
+        </p:txBody>
+      </p:sp>
+      <p:cxnSp>
+        <p:nvCxnSpPr>
+          <p:cNvPr id="8" name="Прямая соединительная линия 7">
+            <a:extLst>
+              <a:ext uri="{FF2B5EF4-FFF2-40B4-BE49-F238E27FC236}">
+                <a16:creationId xmlns:a16="http://schemas.microsoft.com/office/drawing/2014/main" id="{D299F9B1-44F7-4874-BCC6-6DBF59C322AB}"/>
+              </a:ext>
+            </a:extLst>
+          </p:cNvPr>
+          <p:cNvCxnSpPr/>
+          <p:nvPr/>
+        </p:nvCxnSpPr>
+        <p:spPr bwMode="auto">
+          <a:xfrm>
+            <a:off x="395536" y="908720"/>
+            <a:ext cx="8352928" cy="0"/>
+          </a:xfrm>
+          <a:prstGeom prst="line">
+            <a:avLst/>
+          </a:prstGeom>
+          <a:ln w="28575">
+            <a:headEnd type="none" w="med" len="med"/>
+            <a:tailEnd type="none" w="med" len="med"/>
+          </a:ln>
+        </p:spPr>
+        <p:style>
+          <a:lnRef idx="1">
+            <a:schemeClr val="accent2"/>
+          </a:lnRef>
+          <a:fillRef idx="0">
+            <a:schemeClr val="accent2"/>
+          </a:fillRef>
+          <a:effectRef idx="0">
+            <a:schemeClr val="accent2"/>
+          </a:effectRef>
+          <a:fontRef idx="minor">
+            <a:schemeClr val="tx1"/>
+          </a:fontRef>
+        </p:style>
+      </p:cxnSp>
+      <p:sp>
+        <p:nvSpPr>
+          <p:cNvPr id="22" name="TextBox 21">
+            <a:extLst>
+              <a:ext uri="{FF2B5EF4-FFF2-40B4-BE49-F238E27FC236}">
+                <a16:creationId xmlns:a16="http://schemas.microsoft.com/office/drawing/2014/main" id="{38F1F774-53A2-4C9A-8B11-097B509D9AFA}"/>
+              </a:ext>
+            </a:extLst>
+          </p:cNvPr>
+          <p:cNvSpPr txBox="1"/>
+          <p:nvPr/>
+        </p:nvSpPr>
+        <p:spPr>
+          <a:xfrm>
+            <a:off x="395536" y="1916832"/>
+            <a:ext cx="8352928" cy="3216265"/>
+          </a:xfrm>
+          <a:prstGeom prst="rect">
+            <a:avLst/>
+          </a:prstGeom>
+          <a:noFill/>
+        </p:spPr>
+        <p:txBody>
+          <a:bodyPr wrap="square">
+            <a:spAutoFit/>
+          </a:bodyPr>
+          <a:lstStyle/>
+          <a:p>
+            <a:pPr indent="450215" algn="just">
+              <a:spcAft>
+                <a:spcPts val="600"/>
+              </a:spcAft>
+            </a:pPr>
+            <a:r>
+              <a:rPr lang="ru-RU" b="1" dirty="0">
+                <a:effectLst/>
+                <a:latin typeface="Calibri Light" panose="020F0302020204030204" pitchFamily="34" charset="0"/>
+                <a:ea typeface="Times New Roman" panose="02020603050405020304" pitchFamily="18" charset="0"/>
+                <a:cs typeface="Times New Roman" panose="02020603050405020304" pitchFamily="18" charset="0"/>
+              </a:rPr>
+              <a:t>Алгоритм построения портфеля Г. Марковица из двух активов в </a:t>
+            </a:r>
+            <a:r>
+              <a:rPr lang="ru-RU" b="1" dirty="0" err="1">
+                <a:effectLst/>
+                <a:latin typeface="Calibri Light" panose="020F0302020204030204" pitchFamily="34" charset="0"/>
+                <a:ea typeface="Times New Roman" panose="02020603050405020304" pitchFamily="18" charset="0"/>
+                <a:cs typeface="Times New Roman" panose="02020603050405020304" pitchFamily="18" charset="0"/>
+              </a:rPr>
+              <a:t>Excel</a:t>
+            </a:r>
+            <a:endParaRPr lang="ru-RU" b="1" dirty="0">
+              <a:effectLst/>
+              <a:latin typeface="Calibri Light" panose="020F0302020204030204" pitchFamily="34" charset="0"/>
+              <a:ea typeface="Times New Roman" panose="02020603050405020304" pitchFamily="18" charset="0"/>
+              <a:cs typeface="Times New Roman" panose="02020603050405020304" pitchFamily="18" charset="0"/>
+            </a:endParaRPr>
+          </a:p>
+          <a:p>
+            <a:pPr indent="450215" algn="just"/>
+            <a:r>
+              <a:rPr lang="ru-RU" dirty="0">
+                <a:effectLst/>
+                <a:latin typeface="Calibri Light" panose="020F0302020204030204" pitchFamily="34" charset="0"/>
+                <a:ea typeface="Calibri" panose="020F0502020204030204" pitchFamily="34" charset="0"/>
+                <a:cs typeface="Times New Roman" panose="02020603050405020304" pitchFamily="18" charset="0"/>
+              </a:rPr>
+              <a:t>1. Выбирается произвольное число активов. Производится отбор активов по доходности. Активы с отрицательной доходностью исключаются.</a:t>
+            </a:r>
+          </a:p>
+          <a:p>
+            <a:pPr indent="450215" algn="just"/>
+            <a:r>
+              <a:rPr lang="ru-RU" dirty="0">
+                <a:effectLst/>
+                <a:latin typeface="Calibri Light" panose="020F0302020204030204" pitchFamily="34" charset="0"/>
+                <a:ea typeface="Calibri" panose="020F0502020204030204" pitchFamily="34" charset="0"/>
+                <a:cs typeface="Times New Roman" panose="02020603050405020304" pitchFamily="18" charset="0"/>
+              </a:rPr>
+              <a:t>2. Рассчитываются коэффициенты корреляции (нормированной ковариации) для всех возможных пар оставшихся активов.</a:t>
+            </a:r>
+          </a:p>
+          <a:p>
+            <a:pPr indent="450215" algn="just"/>
+            <a:r>
+              <a:rPr lang="ru-RU" dirty="0">
+                <a:effectLst/>
+                <a:latin typeface="Calibri Light" panose="020F0302020204030204" pitchFamily="34" charset="0"/>
+                <a:ea typeface="Calibri" panose="020F0502020204030204" pitchFamily="34" charset="0"/>
+                <a:cs typeface="Times New Roman" panose="02020603050405020304" pitchFamily="18" charset="0"/>
+              </a:rPr>
+              <a:t>3. Для формирования портфеля отбирается пара с наименьшим коэффициентом корреляции.</a:t>
+            </a:r>
+          </a:p>
+          <a:p>
+            <a:pPr indent="450215" algn="just"/>
+            <a:r>
+              <a:rPr lang="ru-RU" dirty="0">
+                <a:effectLst/>
+                <a:latin typeface="Calibri Light" panose="020F0302020204030204" pitchFamily="34" charset="0"/>
+                <a:ea typeface="Calibri" panose="020F0502020204030204" pitchFamily="34" charset="0"/>
+                <a:cs typeface="Times New Roman" panose="02020603050405020304" pitchFamily="18" charset="0"/>
+              </a:rPr>
+              <a:t>4. Вводятся формулы расчёта риска и доходности портфеля.</a:t>
+            </a:r>
+          </a:p>
+          <a:p>
+            <a:pPr indent="450215" algn="just"/>
+            <a:r>
+              <a:rPr lang="ru-RU" dirty="0">
+                <a:effectLst/>
+                <a:latin typeface="Calibri Light" panose="020F0302020204030204" pitchFamily="34" charset="0"/>
+                <a:ea typeface="Calibri" panose="020F0502020204030204" pitchFamily="34" charset="0"/>
+                <a:cs typeface="Times New Roman" panose="02020603050405020304" pitchFamily="18" charset="0"/>
+              </a:rPr>
+              <a:t>5. В решателе задач задаются ограничения: доходность портфеля - не менее заданной, риск - минимальный.</a:t>
+            </a:r>
+          </a:p>
+          <a:p>
+            <a:pPr indent="450215" algn="just"/>
+            <a:r>
+              <a:rPr lang="ru-RU" dirty="0">
+                <a:effectLst/>
+                <a:latin typeface="Calibri Light" panose="020F0302020204030204" pitchFamily="34" charset="0"/>
+                <a:ea typeface="Calibri" panose="020F0502020204030204" pitchFamily="34" charset="0"/>
+                <a:cs typeface="Times New Roman" panose="02020603050405020304" pitchFamily="18" charset="0"/>
+              </a:rPr>
+              <a:t>6. Выполняется поиск решения по минимизации риска портфеля.</a:t>
+            </a:r>
+          </a:p>
+        </p:txBody>
+      </p:sp>
+    </p:spTree>
+    <p:extLst>
+      <p:ext uri="{BB962C8B-B14F-4D97-AF65-F5344CB8AC3E}">
+        <p14:creationId xmlns:p14="http://schemas.microsoft.com/office/powerpoint/2010/main" val="2153221098"/>
+      </p:ext>
+    </p:extLst>
+  </p:cSld>
+  <p:clrMapOvr>
+    <a:masterClrMapping/>
+  </p:clrMapOvr>
+  <p:transition spd="slow">
+    <p:wheel spokes="1"/>
+  </p:transition>
+</p:sld>
+</file>
+
+<file path=ppt/slides/slide24.xml><?xml version="1.0" encoding="utf-8"?>
+<p:sld xmlns:a="http://schemas.openxmlformats.org/drawingml/2006/main" xmlns:r="http://schemas.openxmlformats.org/officeDocument/2006/relationships" xmlns:p="http://schemas.openxmlformats.org/presentationml/2006/main">
+  <p:cSld>
+    <p:spTree>
+      <p:nvGrpSpPr>
+        <p:cNvPr id="1" name=""/>
+        <p:cNvGrpSpPr/>
+        <p:nvPr/>
+      </p:nvGrpSpPr>
+      <p:grpSpPr>
+        <a:xfrm>
+          <a:off x="0" y="0"/>
+          <a:ext cx="0" cy="0"/>
+          <a:chOff x="0" y="0"/>
+          <a:chExt cx="0" cy="0"/>
+        </a:xfrm>
+      </p:grpSpPr>
+      <p:sp>
+        <p:nvSpPr>
+          <p:cNvPr id="2" name="Номер слайда 1">
+            <a:extLst>
+              <a:ext uri="{FF2B5EF4-FFF2-40B4-BE49-F238E27FC236}">
+                <a16:creationId xmlns:a16="http://schemas.microsoft.com/office/drawing/2014/main" id="{1D9732CF-19E9-430C-933D-A241755F7A7F}"/>
+              </a:ext>
+            </a:extLst>
+          </p:cNvPr>
+          <p:cNvSpPr>
+            <a:spLocks noGrp="1"/>
+          </p:cNvSpPr>
+          <p:nvPr>
+            <p:ph type="sldNum" sz="quarter" idx="12"/>
+          </p:nvPr>
+        </p:nvSpPr>
+        <p:spPr>
+          <a:xfrm>
+            <a:off x="8172400" y="6245225"/>
+            <a:ext cx="514400" cy="476250"/>
+          </a:xfrm>
+        </p:spPr>
+        <p:txBody>
+          <a:bodyPr/>
+          <a:lstStyle/>
+          <a:p>
+            <a:pPr>
+              <a:defRPr/>
+            </a:pPr>
+            <a:fld id="{ED0CD710-7773-4B90-99EB-CC2BDD936686}" type="slidenum">
+              <a:rPr lang="ru-RU" altLang="ru-RU" smtClean="0"/>
+              <a:pPr>
+                <a:defRPr/>
+              </a:pPr>
+              <a:t>24</a:t>
             </a:fld>
             <a:endParaRPr lang="ru-RU" altLang="ru-RU"/>
           </a:p>
@@ -20128,7 +23227,7 @@
 </p:sld>
 </file>
 
-<file path=ppt/slides/slide24.xml><?xml version="1.0" encoding="utf-8"?>
+<file path=ppt/slides/slide25.xml><?xml version="1.0" encoding="utf-8"?>
 <p:sld xmlns:a="http://schemas.openxmlformats.org/drawingml/2006/main" xmlns:r="http://schemas.openxmlformats.org/officeDocument/2006/relationships" xmlns:p="http://schemas.openxmlformats.org/presentationml/2006/main">
   <p:cSld>
     <p:spTree>
@@ -20179,7 +23278,7 @@
               <a:pPr>
                 <a:defRPr/>
               </a:pPr>
-              <a:t>24</a:t>
+              <a:t>25</a:t>
             </a:fld>
             <a:endParaRPr lang="ru-RU" altLang="ru-RU"/>
           </a:p>
@@ -20446,7 +23545,7 @@
 </p:sld>
 </file>
 
-<file path=ppt/slides/slide25.xml><?xml version="1.0" encoding="utf-8"?>
+<file path=ppt/slides/slide26.xml><?xml version="1.0" encoding="utf-8"?>
 <p:sld xmlns:a="http://schemas.openxmlformats.org/drawingml/2006/main" xmlns:r="http://schemas.openxmlformats.org/officeDocument/2006/relationships" xmlns:p="http://schemas.openxmlformats.org/presentationml/2006/main">
   <p:cSld>
     <p:spTree>
@@ -20497,7 +23596,7 @@
               <a:pPr>
                 <a:defRPr/>
               </a:pPr>
-              <a:t>25</a:t>
+              <a:t>26</a:t>
             </a:fld>
             <a:endParaRPr lang="ru-RU" altLang="ru-RU"/>
           </a:p>
@@ -20836,7 +23935,7 @@
 </p:sld>
 </file>
 
-<file path=ppt/slides/slide26.xml><?xml version="1.0" encoding="utf-8"?>
+<file path=ppt/slides/slide27.xml><?xml version="1.0" encoding="utf-8"?>
 <p:sld xmlns:a="http://schemas.openxmlformats.org/drawingml/2006/main" xmlns:r="http://schemas.openxmlformats.org/officeDocument/2006/relationships" xmlns:p="http://schemas.openxmlformats.org/presentationml/2006/main">
   <p:cSld>
     <p:spTree>
